--- a/05_project_overview/The_pytorch_ecosystem.pptx
+++ b/05_project_overview/The_pytorch_ecosystem.pptx
@@ -223,7 +223,7 @@
           <a:p>
             <a:fld id="{D75CAE95-D2DD-4998-876A-092BFD628C65}" type="datetimeFigureOut">
               <a:rPr lang="da-DK" smtClean="0"/>
-              <a:t>07-04-2021</a:t>
+              <a:t>28-05-2021</a:t>
             </a:fld>
             <a:endParaRPr lang="da-DK"/>
           </a:p>
@@ -401,7 +401,7 @@
           <a:p>
             <a:fld id="{1DA8E099-58AA-4136-B409-1CAD1943D842}" type="datetimeFigureOut">
               <a:rPr lang="da-DK" smtClean="0"/>
-              <a:t>07-04-2021</a:t>
+              <a:t>28-05-2021</a:t>
             </a:fld>
             <a:endParaRPr lang="da-DK"/>
           </a:p>
@@ -819,7 +819,7 @@
           <a:p>
             <a:fld id="{C85334AD-9960-4065-BF34-86ED0345A76D}" type="datetime1">
               <a:rPr lang="en-US" smtClean="0"/>
-              <a:t>4/7/2021</a:t>
+              <a:t>5/28/2021</a:t>
             </a:fld>
             <a:endParaRPr lang="da-DK"/>
           </a:p>
@@ -1058,7 +1058,7 @@
           <a:p>
             <a:fld id="{C5669758-3775-48D7-A841-693E908C3BF4}" type="datetime1">
               <a:rPr lang="en-US" smtClean="0"/>
-              <a:t>4/7/2021</a:t>
+              <a:t>5/28/2021</a:t>
             </a:fld>
             <a:endParaRPr lang="da-DK"/>
           </a:p>
@@ -1271,7 +1271,7 @@
           <a:p>
             <a:fld id="{1E0C3FF1-EDBD-4F2A-8366-34A4E3728310}" type="datetime1">
               <a:rPr lang="en-US" smtClean="0"/>
-              <a:t>4/7/2021</a:t>
+              <a:t>5/28/2021</a:t>
             </a:fld>
             <a:endParaRPr lang="da-DK"/>
           </a:p>
@@ -1492,7 +1492,7 @@
           <a:p>
             <a:fld id="{019E29B9-5584-4737-9C98-1B926378C778}" type="datetime1">
               <a:rPr lang="en-US" smtClean="0"/>
-              <a:t>4/7/2021</a:t>
+              <a:t>5/28/2021</a:t>
             </a:fld>
             <a:endParaRPr lang="da-DK"/>
           </a:p>
@@ -1807,7 +1807,7 @@
           <a:p>
             <a:fld id="{FCE38F03-F67D-4508-A858-99FCD085087C}" type="datetime1">
               <a:rPr lang="en-US" smtClean="0"/>
-              <a:t>4/7/2021</a:t>
+              <a:t>5/28/2021</a:t>
             </a:fld>
             <a:endParaRPr lang="da-DK"/>
           </a:p>
@@ -2078,7 +2078,7 @@
           <a:p>
             <a:fld id="{B43F2930-3FFD-4F93-A4BD-4F0D1A0B4514}" type="datetime1">
               <a:rPr lang="en-US" smtClean="0"/>
-              <a:t>4/7/2021</a:t>
+              <a:t>5/28/2021</a:t>
             </a:fld>
             <a:endParaRPr lang="da-DK"/>
           </a:p>
@@ -2496,7 +2496,7 @@
           <a:p>
             <a:fld id="{8E0F9B9B-30CC-4693-8E0F-1A94A979E2C5}" type="datetime1">
               <a:rPr lang="en-US" smtClean="0"/>
-              <a:t>4/7/2021</a:t>
+              <a:t>5/28/2021</a:t>
             </a:fld>
             <a:endParaRPr lang="da-DK"/>
           </a:p>
@@ -2641,7 +2641,7 @@
           <a:p>
             <a:fld id="{6FE1433B-E6A7-44FF-8B55-539471B4D7C5}" type="datetime1">
               <a:rPr lang="en-US" smtClean="0"/>
-              <a:t>4/7/2021</a:t>
+              <a:t>5/28/2021</a:t>
             </a:fld>
             <a:endParaRPr lang="da-DK"/>
           </a:p>
@@ -2757,7 +2757,7 @@
           <a:p>
             <a:fld id="{624F4001-6A8C-42DA-824F-B5CC1375B861}" type="datetime1">
               <a:rPr lang="en-US" smtClean="0"/>
-              <a:t>4/7/2021</a:t>
+              <a:t>5/28/2021</a:t>
             </a:fld>
             <a:endParaRPr lang="da-DK"/>
           </a:p>
@@ -3073,7 +3073,7 @@
           <a:p>
             <a:fld id="{2D3BE137-2C5E-4078-8BA2-7D42D7E67218}" type="datetime1">
               <a:rPr lang="en-US" smtClean="0"/>
-              <a:t>4/7/2021</a:t>
+              <a:t>5/28/2021</a:t>
             </a:fld>
             <a:endParaRPr lang="da-DK"/>
           </a:p>
@@ -3365,7 +3365,7 @@
           <a:p>
             <a:fld id="{0D1436FF-56D3-4E93-92E8-71121EAB120E}" type="datetime1">
               <a:rPr lang="en-US" smtClean="0"/>
-              <a:t>4/7/2021</a:t>
+              <a:t>5/28/2021</a:t>
             </a:fld>
             <a:endParaRPr lang="da-DK"/>
           </a:p>
@@ -3611,7 +3611,7 @@
           <a:p>
             <a:fld id="{16601EF2-4BCA-4009-ACCF-B97F259DEF6F}" type="datetime1">
               <a:rPr lang="en-US" smtClean="0"/>
-              <a:t>4/7/2021</a:t>
+              <a:t>5/28/2021</a:t>
             </a:fld>
             <a:endParaRPr lang="da-DK"/>
           </a:p>
@@ -4237,7 +4237,7 @@
           <a:p>
             <a:fld id="{019E29B9-5584-4737-9C98-1B926378C778}" type="datetime1">
               <a:rPr lang="en-US" smtClean="0"/>
-              <a:t>4/7/2021</a:t>
+              <a:t>5/28/2021</a:t>
             </a:fld>
             <a:endParaRPr lang="da-DK"/>
           </a:p>
@@ -4963,7 +4963,7 @@
           <a:p>
             <a:fld id="{019E29B9-5584-4737-9C98-1B926378C778}" type="datetime1">
               <a:rPr lang="en-US" smtClean="0"/>
-              <a:t>4/7/2021</a:t>
+              <a:t>5/28/2021</a:t>
             </a:fld>
             <a:endParaRPr lang="da-DK"/>
           </a:p>
@@ -5211,7 +5211,7 @@
           <a:p>
             <a:fld id="{019E29B9-5584-4737-9C98-1B926378C778}" type="datetime1">
               <a:rPr lang="en-US" smtClean="0"/>
-              <a:t>4/7/2021</a:t>
+              <a:t>5/28/2021</a:t>
             </a:fld>
             <a:endParaRPr lang="da-DK"/>
           </a:p>
@@ -5430,7 +5430,7 @@
           <a:p>
             <a:fld id="{019E29B9-5584-4737-9C98-1B926378C778}" type="datetime1">
               <a:rPr lang="en-US" smtClean="0"/>
-              <a:t>4/7/2021</a:t>
+              <a:t>5/28/2021</a:t>
             </a:fld>
             <a:endParaRPr lang="da-DK"/>
           </a:p>
@@ -5679,7 +5679,7 @@
           <a:p>
             <a:fld id="{019E29B9-5584-4737-9C98-1B926378C778}" type="datetime1">
               <a:rPr lang="en-US" smtClean="0"/>
-              <a:t>4/7/2021</a:t>
+              <a:t>5/28/2021</a:t>
             </a:fld>
             <a:endParaRPr lang="da-DK"/>
           </a:p>
@@ -5884,7 +5884,7 @@
           <a:p>
             <a:fld id="{019E29B9-5584-4737-9C98-1B926378C778}" type="datetime1">
               <a:rPr lang="en-US" smtClean="0"/>
-              <a:t>4/7/2021</a:t>
+              <a:t>5/28/2021</a:t>
             </a:fld>
             <a:endParaRPr lang="da-DK"/>
           </a:p>
@@ -6058,7 +6058,7 @@
           <a:p>
             <a:fld id="{019E29B9-5584-4737-9C98-1B926378C778}" type="datetime1">
               <a:rPr lang="en-US" smtClean="0"/>
-              <a:t>4/7/2021</a:t>
+              <a:t>5/28/2021</a:t>
             </a:fld>
             <a:endParaRPr lang="da-DK"/>
           </a:p>
@@ -6379,7 +6379,7 @@
           <a:p>
             <a:fld id="{019E29B9-5584-4737-9C98-1B926378C778}" type="datetime1">
               <a:rPr lang="en-US" smtClean="0"/>
-              <a:t>4/7/2021</a:t>
+              <a:t>5/28/2021</a:t>
             </a:fld>
             <a:endParaRPr lang="da-DK"/>
           </a:p>

--- a/05_project_overview/The_pytorch_ecosystem.pptx
+++ b/05_project_overview/The_pytorch_ecosystem.pptx
@@ -4208,8 +4208,8 @@
               <a:buNone/>
             </a:pPr>
             <a:r>
-              <a:rPr lang="da-DK" dirty="0"/>
-              <a:t>Collection of framework build to be used in combination with Pytorch</a:t>
+              <a:rPr lang="en-US" dirty="0"/>
+              <a:t>Collection of frameworks build to be used in combination with Pytorch</a:t>
             </a:r>
           </a:p>
         </p:txBody>
@@ -5142,49 +5142,65 @@
           <a:lstStyle/>
           <a:p>
             <a:r>
-              <a:rPr lang="da-DK" dirty="0"/>
-              <a:t>Organise, plan and execute an MLOps project</a:t>
-            </a:r>
-          </a:p>
-          <a:p>
-            <a:r>
-              <a:rPr lang="da-DK" dirty="0"/>
+              <a:rPr lang="en-US" dirty="0" err="1"/>
+              <a:t>Organise</a:t>
+            </a:r>
+            <a:r>
+              <a:rPr lang="en-US" dirty="0"/>
+              <a:t>, plan and execute an </a:t>
+            </a:r>
+            <a:r>
+              <a:rPr lang="en-US" dirty="0" err="1"/>
+              <a:t>MLOps</a:t>
+            </a:r>
+            <a:r>
+              <a:rPr lang="en-US" dirty="0"/>
+              <a:t> project</a:t>
+            </a:r>
+          </a:p>
+          <a:p>
+            <a:r>
+              <a:rPr lang="en-US" dirty="0"/>
               <a:t>What you will be evaluated on</a:t>
             </a:r>
           </a:p>
           <a:p>
             <a:r>
-              <a:rPr lang="da-DK" dirty="0"/>
+              <a:rPr lang="en-US" dirty="0"/>
               <a:t>Done in groups</a:t>
             </a:r>
           </a:p>
           <a:p>
             <a:r>
-              <a:rPr lang="da-DK" dirty="0"/>
+              <a:rPr lang="en-US" dirty="0"/>
               <a:t>You will be asked to implement what is showcased in the exercises in your project work</a:t>
             </a:r>
           </a:p>
           <a:p>
             <a:r>
-              <a:rPr lang="da-DK" dirty="0"/>
-              <a:t>Each Friday afternoon you will be asked to upload you current progress to github</a:t>
-            </a:r>
-          </a:p>
-          <a:p>
-            <a:r>
-              <a:rPr lang="da-DK" dirty="0"/>
+              <a:rPr lang="en-US" dirty="0"/>
+              <a:t>Each Thursday afternoon you will be asked to upload you current progress to </a:t>
+            </a:r>
+            <a:r>
+              <a:rPr lang="en-US" dirty="0" err="1"/>
+              <a:t>github</a:t>
+            </a:r>
+            <a:endParaRPr lang="en-US" dirty="0"/>
+          </a:p>
+          <a:p>
+            <a:r>
+              <a:rPr lang="en-US" dirty="0"/>
               <a:t>Monday after will be given small feedback</a:t>
             </a:r>
           </a:p>
           <a:p>
             <a:r>
-              <a:rPr lang="da-DK"/>
+              <a:rPr lang="en-US" dirty="0"/>
               <a:t>Final day of the course you will be presenting your project work</a:t>
             </a:r>
-            <a:endParaRPr lang="da-DK" dirty="0"/>
-          </a:p>
-          <a:p>
-            <a:endParaRPr lang="da-DK" dirty="0"/>
+          </a:p>
+          <a:p>
+            <a:endParaRPr lang="en-US" dirty="0"/>
           </a:p>
         </p:txBody>
       </p:sp>
@@ -5362,47 +5378,56 @@
               <a:buNone/>
             </a:pPr>
             <a:r>
-              <a:rPr lang="da-DK" dirty="0"/>
-              <a:t>Fremework: Transformers (Huggingface)</a:t>
+              <a:rPr lang="en-US" dirty="0" err="1"/>
+              <a:t>Fremework</a:t>
+            </a:r>
+            <a:r>
+              <a:rPr lang="en-US" dirty="0"/>
+              <a:t>: Transformers (</a:t>
+            </a:r>
+            <a:r>
+              <a:rPr lang="en-US" dirty="0" err="1"/>
+              <a:t>Huggingface</a:t>
+            </a:r>
+            <a:r>
+              <a:rPr lang="en-US" dirty="0"/>
+              <a:t>)</a:t>
+            </a:r>
+          </a:p>
+          <a:p>
+            <a:endParaRPr lang="en-US" dirty="0"/>
+          </a:p>
+          <a:p>
+            <a:r>
+              <a:rPr lang="en-US" dirty="0">
+                <a:hlinkClick r:id="rId2"/>
+              </a:rPr>
+              <a:t>https://github.com/huggingface/transformers</a:t>
+            </a:r>
+            <a:r>
+              <a:rPr lang="en-US" dirty="0"/>
+              <a:t> </a:t>
             </a:r>
           </a:p>
           <a:p>
             <a:pPr marL="0" indent="0">
               <a:buNone/>
             </a:pPr>
-            <a:r>
-              <a:rPr lang="da-DK" dirty="0"/>
-              <a:t>* https://github.com/huggingface/transformers</a:t>
-            </a:r>
-          </a:p>
-          <a:p>
-            <a:pPr marL="0" indent="0">
-              <a:buNone/>
-            </a:pPr>
-            <a:endParaRPr lang="da-DK" dirty="0"/>
-          </a:p>
-          <a:p>
-            <a:pPr marL="0" indent="0">
-              <a:buNone/>
-            </a:pPr>
-            <a:r>
-              <a:rPr lang="da-DK" dirty="0"/>
+            <a:endParaRPr lang="en-US" dirty="0"/>
+          </a:p>
+          <a:p>
+            <a:r>
+              <a:rPr lang="en-US" dirty="0"/>
+              <a:t>State-of-the-art NLP models</a:t>
+            </a:r>
+          </a:p>
+          <a:p>
+            <a:endParaRPr lang="en-US" dirty="0"/>
+          </a:p>
+          <a:p>
+            <a:r>
+              <a:rPr lang="en-US" dirty="0"/>
               <a:t>Most starred framework in the ecosystem</a:t>
-            </a:r>
-          </a:p>
-          <a:p>
-            <a:pPr marL="0" indent="0">
-              <a:buNone/>
-            </a:pPr>
-            <a:endParaRPr lang="da-DK" dirty="0"/>
-          </a:p>
-          <a:p>
-            <a:pPr marL="0" indent="0">
-              <a:buNone/>
-            </a:pPr>
-            <a:r>
-              <a:rPr lang="da-DK" dirty="0"/>
-              <a:t>Use to do Natural Language Processing</a:t>
             </a:r>
           </a:p>
         </p:txBody>
@@ -5508,7 +5533,7 @@
           <p:nvPr/>
         </p:nvPicPr>
         <p:blipFill>
-          <a:blip r:embed="rId2"/>
+          <a:blip r:embed="rId3"/>
           <a:stretch>
             <a:fillRect/>
           </a:stretch>
@@ -5600,7 +5625,7 @@
         <p:spPr>
           <a:xfrm>
             <a:off x="838200" y="1343608"/>
-            <a:ext cx="5142722" cy="4833355"/>
+            <a:ext cx="5562600" cy="4833355"/>
           </a:xfrm>
         </p:spPr>
         <p:txBody>
@@ -5611,48 +5636,52 @@
               <a:buNone/>
             </a:pPr>
             <a:r>
-              <a:rPr lang="da-DK" dirty="0"/>
-              <a:t>Framework: Kornia</a:t>
-            </a:r>
+              <a:rPr lang="en-US" dirty="0"/>
+              <a:t>Framework: </a:t>
+            </a:r>
+            <a:r>
+              <a:rPr lang="en-US" dirty="0" err="1"/>
+              <a:t>Kornia</a:t>
+            </a:r>
+            <a:endParaRPr lang="en-US" dirty="0"/>
           </a:p>
           <a:p>
             <a:pPr marL="0" indent="0">
               <a:buNone/>
             </a:pPr>
-            <a:endParaRPr lang="da-DK" dirty="0"/>
+            <a:endParaRPr lang="en-US" dirty="0"/>
+          </a:p>
+          <a:p>
+            <a:r>
+              <a:rPr lang="en-US" dirty="0">
+                <a:hlinkClick r:id="rId2"/>
+              </a:rPr>
+              <a:t>https://github.com/kornia/kornia</a:t>
+            </a:r>
+            <a:endParaRPr lang="en-US" dirty="0"/>
           </a:p>
           <a:p>
             <a:pPr marL="0" indent="0">
               <a:buNone/>
             </a:pPr>
-            <a:r>
-              <a:rPr lang="da-DK" dirty="0">
-                <a:hlinkClick r:id="rId2"/>
-              </a:rPr>
-              <a:t>https://github.com/kornia/kornia</a:t>
-            </a:r>
-            <a:endParaRPr lang="da-DK" dirty="0"/>
+            <a:endParaRPr lang="en-US" dirty="0"/>
+          </a:p>
+          <a:p>
+            <a:r>
+              <a:rPr lang="en-US" dirty="0"/>
+              <a:t>Differentiable computer vision </a:t>
+            </a:r>
+            <a:r>
+              <a:rPr lang="en-US" dirty="0" err="1"/>
+              <a:t>algoritms</a:t>
+            </a:r>
+            <a:endParaRPr lang="en-US" dirty="0"/>
           </a:p>
           <a:p>
             <a:pPr marL="0" indent="0">
               <a:buNone/>
             </a:pPr>
-            <a:endParaRPr lang="da-DK" dirty="0"/>
-          </a:p>
-          <a:p>
-            <a:pPr marL="0" indent="0">
-              <a:buNone/>
-            </a:pPr>
-            <a:r>
-              <a:rPr lang="da-DK" dirty="0"/>
-              <a:t>Differentiable computer vision algoritms</a:t>
-            </a:r>
-          </a:p>
-          <a:p>
-            <a:pPr marL="0" indent="0">
-              <a:buNone/>
-            </a:pPr>
-            <a:endParaRPr lang="da-DK" dirty="0"/>
+            <a:endParaRPr lang="en-US" dirty="0"/>
           </a:p>
         </p:txBody>
       </p:sp>
@@ -5846,7 +5875,12 @@
             <p:ph idx="1"/>
           </p:nvPr>
         </p:nvSpPr>
-        <p:spPr/>
+        <p:spPr>
+          <a:xfrm>
+            <a:off x="838200" y="1343608"/>
+            <a:ext cx="5780714" cy="4833355"/>
+          </a:xfrm>
+        </p:spPr>
         <p:txBody>
           <a:bodyPr/>
           <a:lstStyle/>
@@ -5855,9 +5889,41 @@
               <a:buNone/>
             </a:pPr>
             <a:r>
-              <a:rPr lang="da-DK" dirty="0"/>
+              <a:rPr lang="en-US" dirty="0"/>
               <a:t>Framework: Pytorch Geometric</a:t>
             </a:r>
+          </a:p>
+          <a:p>
+            <a:pPr marL="0" indent="0">
+              <a:buNone/>
+            </a:pPr>
+            <a:endParaRPr lang="en-US" dirty="0"/>
+          </a:p>
+          <a:p>
+            <a:r>
+              <a:rPr lang="en-US" dirty="0">
+                <a:hlinkClick r:id="rId2"/>
+              </a:rPr>
+              <a:t>https://github.com/rusty1s/pytorch_geometric</a:t>
+            </a:r>
+            <a:r>
+              <a:rPr lang="en-US" dirty="0"/>
+              <a:t> </a:t>
+            </a:r>
+          </a:p>
+          <a:p>
+            <a:endParaRPr lang="en-US" dirty="0"/>
+          </a:p>
+          <a:p>
+            <a:r>
+              <a:rPr lang="en-US" dirty="0"/>
+              <a:t>Neural networks on graphs and </a:t>
+            </a:r>
+            <a:r>
+              <a:rPr lang="en-US" dirty="0" err="1"/>
+              <a:t>pointclouds</a:t>
+            </a:r>
+            <a:endParaRPr lang="en-US" dirty="0"/>
           </a:p>
         </p:txBody>
       </p:sp>
@@ -5962,7 +6028,7 @@
           <p:nvPr/>
         </p:nvPicPr>
         <p:blipFill>
-          <a:blip r:embed="rId2"/>
+          <a:blip r:embed="rId3"/>
           <a:stretch>
             <a:fillRect/>
           </a:stretch>
@@ -6279,80 +6345,94 @@
         </p:nvSpPr>
         <p:spPr/>
         <p:txBody>
-          <a:bodyPr/>
-          <a:lstStyle/>
-          <a:p>
-            <a:r>
-              <a:rPr lang="da-DK" dirty="0"/>
+          <a:bodyPr>
+            <a:normAutofit lnSpcReduction="10000"/>
+          </a:bodyPr>
+          <a:lstStyle/>
+          <a:p>
+            <a:r>
+              <a:rPr lang="en-US" dirty="0"/>
               <a:t>Pick a framework (try running their notebooks/examples!):</a:t>
             </a:r>
           </a:p>
           <a:p>
             <a:pPr lvl="1"/>
             <a:r>
-              <a:rPr lang="da-DK" dirty="0"/>
+              <a:rPr lang="en-US" dirty="0"/>
               <a:t>Project 1: NLP</a:t>
             </a:r>
           </a:p>
           <a:p>
             <a:pPr lvl="1"/>
             <a:r>
-              <a:rPr lang="da-DK" dirty="0"/>
+              <a:rPr lang="en-US" dirty="0"/>
               <a:t>Project 2: CV</a:t>
             </a:r>
           </a:p>
           <a:p>
             <a:pPr lvl="1"/>
             <a:r>
-              <a:rPr lang="da-DK" dirty="0"/>
+              <a:rPr lang="en-US" dirty="0"/>
               <a:t>Project 3: Graphs and points</a:t>
             </a:r>
           </a:p>
           <a:p>
-            <a:r>
-              <a:rPr lang="da-DK" dirty="0"/>
-              <a:t>Come up with a project</a:t>
-            </a:r>
-          </a:p>
-          <a:p>
-            <a:r>
-              <a:rPr lang="da-DK" dirty="0"/>
+            <a:pPr lvl="1"/>
+            <a:endParaRPr lang="en-US" dirty="0"/>
+          </a:p>
+          <a:p>
+            <a:r>
+              <a:rPr lang="en-US" dirty="0"/>
+              <a:t>Brainstorm a project. It does not have to be particular big as you only have 4 full days for working on it</a:t>
+            </a:r>
+          </a:p>
+          <a:p>
+            <a:endParaRPr lang="en-US" dirty="0"/>
+          </a:p>
+          <a:p>
+            <a:r>
+              <a:rPr lang="en-US" dirty="0"/>
               <a:t>Write a small (max 1 page) project description including:</a:t>
             </a:r>
           </a:p>
           <a:p>
             <a:pPr lvl="1"/>
             <a:r>
-              <a:rPr lang="da-DK" dirty="0"/>
+              <a:rPr lang="en-US" dirty="0"/>
               <a:t>What model do intent to implement</a:t>
             </a:r>
           </a:p>
           <a:p>
             <a:pPr lvl="1"/>
             <a:r>
-              <a:rPr lang="da-DK" dirty="0"/>
+              <a:rPr lang="en-US" dirty="0"/>
               <a:t>What data are you going to use</a:t>
             </a:r>
           </a:p>
           <a:p>
             <a:pPr lvl="1"/>
             <a:r>
-              <a:rPr lang="da-DK" dirty="0"/>
-              <a:t>How to you intent to include the framework</a:t>
-            </a:r>
+              <a:rPr lang="en-US" dirty="0"/>
+              <a:t>How you think the chosen framework can </a:t>
+            </a:r>
+            <a:r>
+              <a:rPr lang="en-US"/>
+              <a:t>be incorporated</a:t>
+            </a:r>
+            <a:endParaRPr lang="en-US" dirty="0"/>
           </a:p>
           <a:p>
             <a:pPr lvl="1"/>
-            <a:endParaRPr lang="da-DK" dirty="0"/>
-          </a:p>
-          <a:p>
-            <a:endParaRPr lang="da-DK" dirty="0"/>
-          </a:p>
-          <a:p>
-            <a:endParaRPr lang="da-DK" dirty="0"/>
-          </a:p>
-          <a:p>
-            <a:endParaRPr lang="da-DK" dirty="0"/>
+            <a:endParaRPr lang="en-US" dirty="0"/>
+          </a:p>
+          <a:p>
+            <a:endParaRPr lang="en-US" dirty="0"/>
+          </a:p>
+          <a:p>
+            <a:endParaRPr lang="en-US" dirty="0"/>
+          </a:p>
+          <a:p>
+            <a:endParaRPr lang="en-US" dirty="0"/>
           </a:p>
         </p:txBody>
       </p:sp>

--- a/05_project_overview/The_pytorch_ecosystem.pptx
+++ b/05_project_overview/The_pytorch_ecosystem.pptx
@@ -223,7 +223,7 @@
           <a:p>
             <a:fld id="{D75CAE95-D2DD-4998-876A-092BFD628C65}" type="datetimeFigureOut">
               <a:rPr lang="da-DK" smtClean="0"/>
-              <a:t>28-05-2021</a:t>
+              <a:t>03-06-2021</a:t>
             </a:fld>
             <a:endParaRPr lang="da-DK"/>
           </a:p>
@@ -401,7 +401,7 @@
           <a:p>
             <a:fld id="{1DA8E099-58AA-4136-B409-1CAD1943D842}" type="datetimeFigureOut">
               <a:rPr lang="da-DK" smtClean="0"/>
-              <a:t>28-05-2021</a:t>
+              <a:t>03-06-2021</a:t>
             </a:fld>
             <a:endParaRPr lang="da-DK"/>
           </a:p>
@@ -819,7 +819,7 @@
           <a:p>
             <a:fld id="{C85334AD-9960-4065-BF34-86ED0345A76D}" type="datetime1">
               <a:rPr lang="en-US" smtClean="0"/>
-              <a:t>5/28/2021</a:t>
+              <a:t>6/3/2021</a:t>
             </a:fld>
             <a:endParaRPr lang="da-DK"/>
           </a:p>
@@ -1058,7 +1058,7 @@
           <a:p>
             <a:fld id="{C5669758-3775-48D7-A841-693E908C3BF4}" type="datetime1">
               <a:rPr lang="en-US" smtClean="0"/>
-              <a:t>5/28/2021</a:t>
+              <a:t>6/3/2021</a:t>
             </a:fld>
             <a:endParaRPr lang="da-DK"/>
           </a:p>
@@ -1271,7 +1271,7 @@
           <a:p>
             <a:fld id="{1E0C3FF1-EDBD-4F2A-8366-34A4E3728310}" type="datetime1">
               <a:rPr lang="en-US" smtClean="0"/>
-              <a:t>5/28/2021</a:t>
+              <a:t>6/3/2021</a:t>
             </a:fld>
             <a:endParaRPr lang="da-DK"/>
           </a:p>
@@ -1492,7 +1492,7 @@
           <a:p>
             <a:fld id="{019E29B9-5584-4737-9C98-1B926378C778}" type="datetime1">
               <a:rPr lang="en-US" smtClean="0"/>
-              <a:t>5/28/2021</a:t>
+              <a:t>6/3/2021</a:t>
             </a:fld>
             <a:endParaRPr lang="da-DK"/>
           </a:p>
@@ -1807,7 +1807,7 @@
           <a:p>
             <a:fld id="{FCE38F03-F67D-4508-A858-99FCD085087C}" type="datetime1">
               <a:rPr lang="en-US" smtClean="0"/>
-              <a:t>5/28/2021</a:t>
+              <a:t>6/3/2021</a:t>
             </a:fld>
             <a:endParaRPr lang="da-DK"/>
           </a:p>
@@ -2078,7 +2078,7 @@
           <a:p>
             <a:fld id="{B43F2930-3FFD-4F93-A4BD-4F0D1A0B4514}" type="datetime1">
               <a:rPr lang="en-US" smtClean="0"/>
-              <a:t>5/28/2021</a:t>
+              <a:t>6/3/2021</a:t>
             </a:fld>
             <a:endParaRPr lang="da-DK"/>
           </a:p>
@@ -2496,7 +2496,7 @@
           <a:p>
             <a:fld id="{8E0F9B9B-30CC-4693-8E0F-1A94A979E2C5}" type="datetime1">
               <a:rPr lang="en-US" smtClean="0"/>
-              <a:t>5/28/2021</a:t>
+              <a:t>6/3/2021</a:t>
             </a:fld>
             <a:endParaRPr lang="da-DK"/>
           </a:p>
@@ -2641,7 +2641,7 @@
           <a:p>
             <a:fld id="{6FE1433B-E6A7-44FF-8B55-539471B4D7C5}" type="datetime1">
               <a:rPr lang="en-US" smtClean="0"/>
-              <a:t>5/28/2021</a:t>
+              <a:t>6/3/2021</a:t>
             </a:fld>
             <a:endParaRPr lang="da-DK"/>
           </a:p>
@@ -2757,7 +2757,7 @@
           <a:p>
             <a:fld id="{624F4001-6A8C-42DA-824F-B5CC1375B861}" type="datetime1">
               <a:rPr lang="en-US" smtClean="0"/>
-              <a:t>5/28/2021</a:t>
+              <a:t>6/3/2021</a:t>
             </a:fld>
             <a:endParaRPr lang="da-DK"/>
           </a:p>
@@ -3073,7 +3073,7 @@
           <a:p>
             <a:fld id="{2D3BE137-2C5E-4078-8BA2-7D42D7E67218}" type="datetime1">
               <a:rPr lang="en-US" smtClean="0"/>
-              <a:t>5/28/2021</a:t>
+              <a:t>6/3/2021</a:t>
             </a:fld>
             <a:endParaRPr lang="da-DK"/>
           </a:p>
@@ -3365,7 +3365,7 @@
           <a:p>
             <a:fld id="{0D1436FF-56D3-4E93-92E8-71121EAB120E}" type="datetime1">
               <a:rPr lang="en-US" smtClean="0"/>
-              <a:t>5/28/2021</a:t>
+              <a:t>6/3/2021</a:t>
             </a:fld>
             <a:endParaRPr lang="da-DK"/>
           </a:p>
@@ -3611,7 +3611,7 @@
           <a:p>
             <a:fld id="{16601EF2-4BCA-4009-ACCF-B97F259DEF6F}" type="datetime1">
               <a:rPr lang="en-US" smtClean="0"/>
-              <a:t>5/28/2021</a:t>
+              <a:t>6/3/2021</a:t>
             </a:fld>
             <a:endParaRPr lang="da-DK"/>
           </a:p>
@@ -4097,7 +4097,7 @@
           <a:p>
             <a:r>
               <a:rPr lang="da-DK" dirty="0"/>
-              <a:t>02457 Machine Learning Operations</a:t>
+              <a:t>Machine Learning Operations</a:t>
             </a:r>
           </a:p>
           <a:p>
@@ -4237,7 +4237,7 @@
           <a:p>
             <a:fld id="{019E29B9-5584-4737-9C98-1B926378C778}" type="datetime1">
               <a:rPr lang="en-US" smtClean="0"/>
-              <a:t>5/28/2021</a:t>
+              <a:t>6/3/2021</a:t>
             </a:fld>
             <a:endParaRPr lang="da-DK"/>
           </a:p>
@@ -4963,7 +4963,7 @@
           <a:p>
             <a:fld id="{019E29B9-5584-4737-9C98-1B926378C778}" type="datetime1">
               <a:rPr lang="en-US" smtClean="0"/>
-              <a:t>5/28/2021</a:t>
+              <a:t>6/3/2021</a:t>
             </a:fld>
             <a:endParaRPr lang="da-DK"/>
           </a:p>
@@ -5227,7 +5227,7 @@
           <a:p>
             <a:fld id="{019E29B9-5584-4737-9C98-1B926378C778}" type="datetime1">
               <a:rPr lang="en-US" smtClean="0"/>
-              <a:t>5/28/2021</a:t>
+              <a:t>6/3/2021</a:t>
             </a:fld>
             <a:endParaRPr lang="da-DK"/>
           </a:p>
@@ -5455,7 +5455,7 @@
           <a:p>
             <a:fld id="{019E29B9-5584-4737-9C98-1B926378C778}" type="datetime1">
               <a:rPr lang="en-US" smtClean="0"/>
-              <a:t>5/28/2021</a:t>
+              <a:t>6/3/2021</a:t>
             </a:fld>
             <a:endParaRPr lang="da-DK"/>
           </a:p>
@@ -5708,7 +5708,7 @@
           <a:p>
             <a:fld id="{019E29B9-5584-4737-9C98-1B926378C778}" type="datetime1">
               <a:rPr lang="en-US" smtClean="0"/>
-              <a:t>5/28/2021</a:t>
+              <a:t>6/3/2021</a:t>
             </a:fld>
             <a:endParaRPr lang="da-DK"/>
           </a:p>
@@ -5950,7 +5950,7 @@
           <a:p>
             <a:fld id="{019E29B9-5584-4737-9C98-1B926378C778}" type="datetime1">
               <a:rPr lang="en-US" smtClean="0"/>
-              <a:t>5/28/2021</a:t>
+              <a:t>6/3/2021</a:t>
             </a:fld>
             <a:endParaRPr lang="da-DK"/>
           </a:p>
@@ -6124,7 +6124,7 @@
           <a:p>
             <a:fld id="{019E29B9-5584-4737-9C98-1B926378C778}" type="datetime1">
               <a:rPr lang="en-US" smtClean="0"/>
-              <a:t>5/28/2021</a:t>
+              <a:t>6/3/2021</a:t>
             </a:fld>
             <a:endParaRPr lang="da-DK"/>
           </a:p>
@@ -6459,7 +6459,7 @@
           <a:p>
             <a:fld id="{019E29B9-5584-4737-9C98-1B926378C778}" type="datetime1">
               <a:rPr lang="en-US" smtClean="0"/>
-              <a:t>5/28/2021</a:t>
+              <a:t>6/3/2021</a:t>
             </a:fld>
             <a:endParaRPr lang="da-DK"/>
           </a:p>

--- a/05_project_overview/The_pytorch_ecosystem.pptx
+++ b/05_project_overview/The_pytorch_ecosystem.pptx
@@ -5,21 +5,24 @@
     <p:sldMasterId id="2147483648" r:id="rId1"/>
   </p:sldMasterIdLst>
   <p:notesMasterIdLst>
-    <p:notesMasterId r:id="rId11"/>
+    <p:notesMasterId r:id="rId14"/>
   </p:notesMasterIdLst>
   <p:handoutMasterIdLst>
-    <p:handoutMasterId r:id="rId12"/>
+    <p:handoutMasterId r:id="rId15"/>
   </p:handoutMasterIdLst>
   <p:sldIdLst>
     <p:sldId id="256" r:id="rId2"/>
     <p:sldId id="257" r:id="rId3"/>
     <p:sldId id="258" r:id="rId4"/>
-    <p:sldId id="259" r:id="rId5"/>
-    <p:sldId id="260" r:id="rId6"/>
-    <p:sldId id="261" r:id="rId7"/>
-    <p:sldId id="262" r:id="rId8"/>
-    <p:sldId id="263" r:id="rId9"/>
-    <p:sldId id="264" r:id="rId10"/>
+    <p:sldId id="260" r:id="rId5"/>
+    <p:sldId id="261" r:id="rId6"/>
+    <p:sldId id="262" r:id="rId7"/>
+    <p:sldId id="263" r:id="rId8"/>
+    <p:sldId id="264" r:id="rId9"/>
+    <p:sldId id="267" r:id="rId10"/>
+    <p:sldId id="265" r:id="rId11"/>
+    <p:sldId id="266" r:id="rId12"/>
+    <p:sldId id="268" r:id="rId13"/>
   </p:sldIdLst>
   <p:sldSz cx="12192000" cy="6858000"/>
   <p:notesSz cx="6858000" cy="9144000"/>
@@ -223,7 +226,7 @@
           <a:p>
             <a:fld id="{D75CAE95-D2DD-4998-876A-092BFD628C65}" type="datetimeFigureOut">
               <a:rPr lang="da-DK" smtClean="0"/>
-              <a:t>03-06-2021</a:t>
+              <a:t>10-06-2021</a:t>
             </a:fld>
             <a:endParaRPr lang="da-DK"/>
           </a:p>
@@ -401,7 +404,7 @@
           <a:p>
             <a:fld id="{1DA8E099-58AA-4136-B409-1CAD1943D842}" type="datetimeFigureOut">
               <a:rPr lang="da-DK" smtClean="0"/>
-              <a:t>03-06-2021</a:t>
+              <a:t>10-06-2021</a:t>
             </a:fld>
             <a:endParaRPr lang="da-DK"/>
           </a:p>
@@ -819,7 +822,7 @@
           <a:p>
             <a:fld id="{C85334AD-9960-4065-BF34-86ED0345A76D}" type="datetime1">
               <a:rPr lang="en-US" smtClean="0"/>
-              <a:t>6/3/2021</a:t>
+              <a:t>6/10/2021</a:t>
             </a:fld>
             <a:endParaRPr lang="da-DK"/>
           </a:p>
@@ -1058,7 +1061,7 @@
           <a:p>
             <a:fld id="{C5669758-3775-48D7-A841-693E908C3BF4}" type="datetime1">
               <a:rPr lang="en-US" smtClean="0"/>
-              <a:t>6/3/2021</a:t>
+              <a:t>6/10/2021</a:t>
             </a:fld>
             <a:endParaRPr lang="da-DK"/>
           </a:p>
@@ -1271,7 +1274,7 @@
           <a:p>
             <a:fld id="{1E0C3FF1-EDBD-4F2A-8366-34A4E3728310}" type="datetime1">
               <a:rPr lang="en-US" smtClean="0"/>
-              <a:t>6/3/2021</a:t>
+              <a:t>6/10/2021</a:t>
             </a:fld>
             <a:endParaRPr lang="da-DK"/>
           </a:p>
@@ -1492,7 +1495,7 @@
           <a:p>
             <a:fld id="{019E29B9-5584-4737-9C98-1B926378C778}" type="datetime1">
               <a:rPr lang="en-US" smtClean="0"/>
-              <a:t>6/3/2021</a:t>
+              <a:t>6/10/2021</a:t>
             </a:fld>
             <a:endParaRPr lang="da-DK"/>
           </a:p>
@@ -1807,7 +1810,7 @@
           <a:p>
             <a:fld id="{FCE38F03-F67D-4508-A858-99FCD085087C}" type="datetime1">
               <a:rPr lang="en-US" smtClean="0"/>
-              <a:t>6/3/2021</a:t>
+              <a:t>6/10/2021</a:t>
             </a:fld>
             <a:endParaRPr lang="da-DK"/>
           </a:p>
@@ -2078,7 +2081,7 @@
           <a:p>
             <a:fld id="{B43F2930-3FFD-4F93-A4BD-4F0D1A0B4514}" type="datetime1">
               <a:rPr lang="en-US" smtClean="0"/>
-              <a:t>6/3/2021</a:t>
+              <a:t>6/10/2021</a:t>
             </a:fld>
             <a:endParaRPr lang="da-DK"/>
           </a:p>
@@ -2496,7 +2499,7 @@
           <a:p>
             <a:fld id="{8E0F9B9B-30CC-4693-8E0F-1A94A979E2C5}" type="datetime1">
               <a:rPr lang="en-US" smtClean="0"/>
-              <a:t>6/3/2021</a:t>
+              <a:t>6/10/2021</a:t>
             </a:fld>
             <a:endParaRPr lang="da-DK"/>
           </a:p>
@@ -2641,7 +2644,7 @@
           <a:p>
             <a:fld id="{6FE1433B-E6A7-44FF-8B55-539471B4D7C5}" type="datetime1">
               <a:rPr lang="en-US" smtClean="0"/>
-              <a:t>6/3/2021</a:t>
+              <a:t>6/10/2021</a:t>
             </a:fld>
             <a:endParaRPr lang="da-DK"/>
           </a:p>
@@ -2757,7 +2760,7 @@
           <a:p>
             <a:fld id="{624F4001-6A8C-42DA-824F-B5CC1375B861}" type="datetime1">
               <a:rPr lang="en-US" smtClean="0"/>
-              <a:t>6/3/2021</a:t>
+              <a:t>6/10/2021</a:t>
             </a:fld>
             <a:endParaRPr lang="da-DK"/>
           </a:p>
@@ -3073,7 +3076,7 @@
           <a:p>
             <a:fld id="{2D3BE137-2C5E-4078-8BA2-7D42D7E67218}" type="datetime1">
               <a:rPr lang="en-US" smtClean="0"/>
-              <a:t>6/3/2021</a:t>
+              <a:t>6/10/2021</a:t>
             </a:fld>
             <a:endParaRPr lang="da-DK"/>
           </a:p>
@@ -3365,7 +3368,7 @@
           <a:p>
             <a:fld id="{0D1436FF-56D3-4E93-92E8-71121EAB120E}" type="datetime1">
               <a:rPr lang="en-US" smtClean="0"/>
-              <a:t>6/3/2021</a:t>
+              <a:t>6/10/2021</a:t>
             </a:fld>
             <a:endParaRPr lang="da-DK"/>
           </a:p>
@@ -3611,7 +3614,7 @@
           <a:p>
             <a:fld id="{16601EF2-4BCA-4009-ACCF-B97F259DEF6F}" type="datetime1">
               <a:rPr lang="en-US" smtClean="0"/>
-              <a:t>6/3/2021</a:t>
+              <a:t>6/10/2021</a:t>
             </a:fld>
             <a:endParaRPr lang="da-DK"/>
           </a:p>
@@ -4133,6 +4136,667 @@
 </p:sld>
 </file>
 
+<file path=ppt/slides/slide10.xml><?xml version="1.0" encoding="utf-8"?>
+<p:sld xmlns:a="http://schemas.openxmlformats.org/drawingml/2006/main" xmlns:r="http://schemas.openxmlformats.org/officeDocument/2006/relationships" xmlns:p="http://schemas.openxmlformats.org/presentationml/2006/main">
+  <p:cSld>
+    <p:spTree>
+      <p:nvGrpSpPr>
+        <p:cNvPr id="1" name=""/>
+        <p:cNvGrpSpPr/>
+        <p:nvPr/>
+      </p:nvGrpSpPr>
+      <p:grpSpPr>
+        <a:xfrm>
+          <a:off x="0" y="0"/>
+          <a:ext cx="0" cy="0"/>
+          <a:chOff x="0" y="0"/>
+          <a:chExt cx="0" cy="0"/>
+        </a:xfrm>
+      </p:grpSpPr>
+      <p:sp>
+        <p:nvSpPr>
+          <p:cNvPr id="2" name="Title 1">
+            <a:extLst>
+              <a:ext uri="{FF2B5EF4-FFF2-40B4-BE49-F238E27FC236}">
+                <a16:creationId xmlns:a16="http://schemas.microsoft.com/office/drawing/2014/main" id="{193977A8-BC8E-43BD-8538-A3AFE3356DA8}"/>
+              </a:ext>
+            </a:extLst>
+          </p:cNvPr>
+          <p:cNvSpPr>
+            <a:spLocks noGrp="1"/>
+          </p:cNvSpPr>
+          <p:nvPr>
+            <p:ph type="title"/>
+          </p:nvPr>
+        </p:nvSpPr>
+        <p:spPr/>
+        <p:txBody>
+          <a:bodyPr/>
+          <a:lstStyle/>
+          <a:p>
+            <a:r>
+              <a:rPr lang="da-DK" dirty="0"/>
+              <a:t>Hand-in</a:t>
+            </a:r>
+            <a:endParaRPr lang="en-US" dirty="0"/>
+          </a:p>
+        </p:txBody>
+      </p:sp>
+      <p:sp>
+        <p:nvSpPr>
+          <p:cNvPr id="3" name="Content Placeholder 2">
+            <a:extLst>
+              <a:ext uri="{FF2B5EF4-FFF2-40B4-BE49-F238E27FC236}">
+                <a16:creationId xmlns:a16="http://schemas.microsoft.com/office/drawing/2014/main" id="{3AE7CBB7-FC73-4AEC-99A6-FBAF00D48B7F}"/>
+              </a:ext>
+            </a:extLst>
+          </p:cNvPr>
+          <p:cNvSpPr>
+            <a:spLocks noGrp="1"/>
+          </p:cNvSpPr>
+          <p:nvPr>
+            <p:ph idx="1"/>
+          </p:nvPr>
+        </p:nvSpPr>
+        <p:spPr/>
+        <p:txBody>
+          <a:bodyPr/>
+          <a:lstStyle/>
+          <a:p>
+            <a:r>
+              <a:rPr lang="da-DK" dirty="0"/>
+              <a:t>By 17:00 today ONE group member should send an email to me (</a:t>
+            </a:r>
+            <a:r>
+              <a:rPr lang="da-DK" dirty="0">
+                <a:hlinkClick r:id="rId2"/>
+              </a:rPr>
+              <a:t>nsde@dtu.dk</a:t>
+            </a:r>
+            <a:r>
+              <a:rPr lang="da-DK" dirty="0"/>
+              <a:t>) with the following info</a:t>
+            </a:r>
+          </a:p>
+          <a:p>
+            <a:pPr lvl="1"/>
+            <a:r>
+              <a:rPr lang="da-DK" dirty="0"/>
+              <a:t>Link to github reposatory</a:t>
+            </a:r>
+          </a:p>
+          <a:p>
+            <a:pPr lvl="1"/>
+            <a:r>
+              <a:rPr lang="da-DK" dirty="0"/>
+              <a:t>Study number of all group members</a:t>
+            </a:r>
+          </a:p>
+          <a:p>
+            <a:pPr lvl="1"/>
+            <a:r>
+              <a:rPr lang="da-DK" dirty="0"/>
+              <a:t>Your project description</a:t>
+            </a:r>
+            <a:endParaRPr lang="en-US" dirty="0"/>
+          </a:p>
+          <a:p>
+            <a:pPr lvl="1"/>
+            <a:endParaRPr lang="en-US" dirty="0"/>
+          </a:p>
+          <a:p>
+            <a:pPr lvl="1"/>
+            <a:endParaRPr lang="en-US" dirty="0"/>
+          </a:p>
+        </p:txBody>
+      </p:sp>
+      <p:sp>
+        <p:nvSpPr>
+          <p:cNvPr id="4" name="Date Placeholder 3">
+            <a:extLst>
+              <a:ext uri="{FF2B5EF4-FFF2-40B4-BE49-F238E27FC236}">
+                <a16:creationId xmlns:a16="http://schemas.microsoft.com/office/drawing/2014/main" id="{4477446C-A366-4610-B055-4045ED282ACD}"/>
+              </a:ext>
+            </a:extLst>
+          </p:cNvPr>
+          <p:cNvSpPr>
+            <a:spLocks noGrp="1"/>
+          </p:cNvSpPr>
+          <p:nvPr>
+            <p:ph type="dt" sz="half" idx="10"/>
+          </p:nvPr>
+        </p:nvSpPr>
+        <p:spPr/>
+        <p:txBody>
+          <a:bodyPr/>
+          <a:lstStyle/>
+          <a:p>
+            <a:fld id="{019E29B9-5584-4737-9C98-1B926378C778}" type="datetime1">
+              <a:rPr lang="en-US" smtClean="0"/>
+              <a:t>6/10/2021</a:t>
+            </a:fld>
+            <a:endParaRPr lang="da-DK"/>
+          </a:p>
+        </p:txBody>
+      </p:sp>
+      <p:sp>
+        <p:nvSpPr>
+          <p:cNvPr id="5" name="Footer Placeholder 4">
+            <a:extLst>
+              <a:ext uri="{FF2B5EF4-FFF2-40B4-BE49-F238E27FC236}">
+                <a16:creationId xmlns:a16="http://schemas.microsoft.com/office/drawing/2014/main" id="{50EE9919-82A9-49C7-8B72-19652C5F606A}"/>
+              </a:ext>
+            </a:extLst>
+          </p:cNvPr>
+          <p:cNvSpPr>
+            <a:spLocks noGrp="1"/>
+          </p:cNvSpPr>
+          <p:nvPr>
+            <p:ph type="ftr" sz="quarter" idx="11"/>
+          </p:nvPr>
+        </p:nvSpPr>
+        <p:spPr/>
+        <p:txBody>
+          <a:bodyPr/>
+          <a:lstStyle/>
+          <a:p>
+            <a:r>
+              <a:rPr lang="da-DK"/>
+              <a:t>Nicki Skafte Detlefsen</a:t>
+            </a:r>
+          </a:p>
+        </p:txBody>
+      </p:sp>
+      <p:sp>
+        <p:nvSpPr>
+          <p:cNvPr id="6" name="Slide Number Placeholder 5">
+            <a:extLst>
+              <a:ext uri="{FF2B5EF4-FFF2-40B4-BE49-F238E27FC236}">
+                <a16:creationId xmlns:a16="http://schemas.microsoft.com/office/drawing/2014/main" id="{9462F580-A352-4FE4-AFB7-909A4BFDA499}"/>
+              </a:ext>
+            </a:extLst>
+          </p:cNvPr>
+          <p:cNvSpPr>
+            <a:spLocks noGrp="1"/>
+          </p:cNvSpPr>
+          <p:nvPr>
+            <p:ph type="sldNum" sz="quarter" idx="12"/>
+          </p:nvPr>
+        </p:nvSpPr>
+        <p:spPr/>
+        <p:txBody>
+          <a:bodyPr/>
+          <a:lstStyle/>
+          <a:p>
+            <a:fld id="{F6FEDE24-D50C-481B-A7B4-8AF13899101A}" type="slidenum">
+              <a:rPr lang="da-DK" smtClean="0"/>
+              <a:t>10</a:t>
+            </a:fld>
+            <a:endParaRPr lang="da-DK"/>
+          </a:p>
+        </p:txBody>
+      </p:sp>
+    </p:spTree>
+    <p:extLst>
+      <p:ext uri="{BB962C8B-B14F-4D97-AF65-F5344CB8AC3E}">
+        <p14:creationId xmlns:p14="http://schemas.microsoft.com/office/powerpoint/2010/main" val="2530386603"/>
+      </p:ext>
+    </p:extLst>
+  </p:cSld>
+  <p:clrMapOvr>
+    <a:masterClrMapping/>
+  </p:clrMapOvr>
+</p:sld>
+</file>
+
+<file path=ppt/slides/slide11.xml><?xml version="1.0" encoding="utf-8"?>
+<p:sld xmlns:a="http://schemas.openxmlformats.org/drawingml/2006/main" xmlns:r="http://schemas.openxmlformats.org/officeDocument/2006/relationships" xmlns:p="http://schemas.openxmlformats.org/presentationml/2006/main">
+  <p:cSld>
+    <p:spTree>
+      <p:nvGrpSpPr>
+        <p:cNvPr id="1" name=""/>
+        <p:cNvGrpSpPr/>
+        <p:nvPr/>
+      </p:nvGrpSpPr>
+      <p:grpSpPr>
+        <a:xfrm>
+          <a:off x="0" y="0"/>
+          <a:ext cx="0" cy="0"/>
+          <a:chOff x="0" y="0"/>
+          <a:chExt cx="0" cy="0"/>
+        </a:xfrm>
+      </p:grpSpPr>
+      <p:sp>
+        <p:nvSpPr>
+          <p:cNvPr id="2" name="Title 1">
+            <a:extLst>
+              <a:ext uri="{FF2B5EF4-FFF2-40B4-BE49-F238E27FC236}">
+                <a16:creationId xmlns:a16="http://schemas.microsoft.com/office/drawing/2014/main" id="{4092FCFD-9181-423A-A27C-0BB51606A562}"/>
+              </a:ext>
+            </a:extLst>
+          </p:cNvPr>
+          <p:cNvSpPr>
+            <a:spLocks noGrp="1"/>
+          </p:cNvSpPr>
+          <p:nvPr>
+            <p:ph type="title"/>
+          </p:nvPr>
+        </p:nvSpPr>
+        <p:spPr/>
+        <p:txBody>
+          <a:bodyPr/>
+          <a:lstStyle/>
+          <a:p>
+            <a:r>
+              <a:rPr lang="da-DK" dirty="0"/>
+              <a:t>Exam format</a:t>
+            </a:r>
+            <a:endParaRPr lang="en-US" dirty="0"/>
+          </a:p>
+        </p:txBody>
+      </p:sp>
+      <p:sp>
+        <p:nvSpPr>
+          <p:cNvPr id="3" name="Content Placeholder 2">
+            <a:extLst>
+              <a:ext uri="{FF2B5EF4-FFF2-40B4-BE49-F238E27FC236}">
+                <a16:creationId xmlns:a16="http://schemas.microsoft.com/office/drawing/2014/main" id="{994451F5-BA1D-408A-8722-F657D72239DE}"/>
+              </a:ext>
+            </a:extLst>
+          </p:cNvPr>
+          <p:cNvSpPr>
+            <a:spLocks noGrp="1"/>
+          </p:cNvSpPr>
+          <p:nvPr>
+            <p:ph idx="1"/>
+          </p:nvPr>
+        </p:nvSpPr>
+        <p:spPr/>
+        <p:txBody>
+          <a:bodyPr>
+            <a:normAutofit lnSpcReduction="10000"/>
+          </a:bodyPr>
+          <a:lstStyle/>
+          <a:p>
+            <a:pPr marL="0" indent="0">
+              <a:buNone/>
+            </a:pPr>
+            <a:r>
+              <a:rPr lang="da-DK" dirty="0"/>
+              <a:t>Thursday 24/6 – internal evaluation by Nicki and Søren</a:t>
+            </a:r>
+          </a:p>
+          <a:p>
+            <a:endParaRPr lang="da-DK" dirty="0"/>
+          </a:p>
+          <a:p>
+            <a:r>
+              <a:rPr lang="da-DK" dirty="0"/>
+              <a:t>Group presentation</a:t>
+            </a:r>
+          </a:p>
+          <a:p>
+            <a:pPr lvl="1"/>
+            <a:r>
+              <a:rPr lang="da-DK" dirty="0"/>
+              <a:t>7-10 minutes of powerpoint/reposatory showcase</a:t>
+            </a:r>
+          </a:p>
+          <a:p>
+            <a:pPr lvl="1"/>
+            <a:r>
+              <a:rPr lang="da-DK" dirty="0"/>
+              <a:t>7-10 minutes of discussion</a:t>
+            </a:r>
+          </a:p>
+          <a:p>
+            <a:endParaRPr lang="da-DK" dirty="0"/>
+          </a:p>
+          <a:p>
+            <a:r>
+              <a:rPr lang="da-DK" dirty="0"/>
+              <a:t>What you will be evaluated on:</a:t>
+            </a:r>
+          </a:p>
+          <a:p>
+            <a:pPr lvl="1"/>
+            <a:r>
+              <a:rPr lang="da-DK" dirty="0"/>
+              <a:t>How well you have included what is though in the course</a:t>
+            </a:r>
+          </a:p>
+          <a:p>
+            <a:pPr lvl="1"/>
+            <a:endParaRPr lang="en-US" dirty="0"/>
+          </a:p>
+          <a:p>
+            <a:r>
+              <a:rPr lang="en-US" dirty="0"/>
+              <a:t>What you will NOT be evaluated on</a:t>
+            </a:r>
+          </a:p>
+          <a:p>
+            <a:pPr lvl="1"/>
+            <a:r>
+              <a:rPr lang="en-US" dirty="0"/>
+              <a:t>How epic your deep learning model is</a:t>
+            </a:r>
+          </a:p>
+        </p:txBody>
+      </p:sp>
+      <p:sp>
+        <p:nvSpPr>
+          <p:cNvPr id="4" name="Date Placeholder 3">
+            <a:extLst>
+              <a:ext uri="{FF2B5EF4-FFF2-40B4-BE49-F238E27FC236}">
+                <a16:creationId xmlns:a16="http://schemas.microsoft.com/office/drawing/2014/main" id="{0B05BA15-300F-48E6-AD24-83C561C37188}"/>
+              </a:ext>
+            </a:extLst>
+          </p:cNvPr>
+          <p:cNvSpPr>
+            <a:spLocks noGrp="1"/>
+          </p:cNvSpPr>
+          <p:nvPr>
+            <p:ph type="dt" sz="half" idx="10"/>
+          </p:nvPr>
+        </p:nvSpPr>
+        <p:spPr/>
+        <p:txBody>
+          <a:bodyPr/>
+          <a:lstStyle/>
+          <a:p>
+            <a:fld id="{019E29B9-5584-4737-9C98-1B926378C778}" type="datetime1">
+              <a:rPr lang="en-US" smtClean="0"/>
+              <a:t>6/10/2021</a:t>
+            </a:fld>
+            <a:endParaRPr lang="da-DK"/>
+          </a:p>
+        </p:txBody>
+      </p:sp>
+      <p:sp>
+        <p:nvSpPr>
+          <p:cNvPr id="5" name="Footer Placeholder 4">
+            <a:extLst>
+              <a:ext uri="{FF2B5EF4-FFF2-40B4-BE49-F238E27FC236}">
+                <a16:creationId xmlns:a16="http://schemas.microsoft.com/office/drawing/2014/main" id="{4CE29997-D869-4C1E-8DE6-8533C7B94D34}"/>
+              </a:ext>
+            </a:extLst>
+          </p:cNvPr>
+          <p:cNvSpPr>
+            <a:spLocks noGrp="1"/>
+          </p:cNvSpPr>
+          <p:nvPr>
+            <p:ph type="ftr" sz="quarter" idx="11"/>
+          </p:nvPr>
+        </p:nvSpPr>
+        <p:spPr/>
+        <p:txBody>
+          <a:bodyPr/>
+          <a:lstStyle/>
+          <a:p>
+            <a:r>
+              <a:rPr lang="da-DK"/>
+              <a:t>Nicki Skafte Detlefsen</a:t>
+            </a:r>
+          </a:p>
+        </p:txBody>
+      </p:sp>
+      <p:sp>
+        <p:nvSpPr>
+          <p:cNvPr id="6" name="Slide Number Placeholder 5">
+            <a:extLst>
+              <a:ext uri="{FF2B5EF4-FFF2-40B4-BE49-F238E27FC236}">
+                <a16:creationId xmlns:a16="http://schemas.microsoft.com/office/drawing/2014/main" id="{01A3DBA2-C081-4BB6-AC6B-53320518B5BF}"/>
+              </a:ext>
+            </a:extLst>
+          </p:cNvPr>
+          <p:cNvSpPr>
+            <a:spLocks noGrp="1"/>
+          </p:cNvSpPr>
+          <p:nvPr>
+            <p:ph type="sldNum" sz="quarter" idx="12"/>
+          </p:nvPr>
+        </p:nvSpPr>
+        <p:spPr/>
+        <p:txBody>
+          <a:bodyPr/>
+          <a:lstStyle/>
+          <a:p>
+            <a:fld id="{F6FEDE24-D50C-481B-A7B4-8AF13899101A}" type="slidenum">
+              <a:rPr lang="da-DK" smtClean="0"/>
+              <a:t>11</a:t>
+            </a:fld>
+            <a:endParaRPr lang="da-DK"/>
+          </a:p>
+        </p:txBody>
+      </p:sp>
+    </p:spTree>
+    <p:extLst>
+      <p:ext uri="{BB962C8B-B14F-4D97-AF65-F5344CB8AC3E}">
+        <p14:creationId xmlns:p14="http://schemas.microsoft.com/office/powerpoint/2010/main" val="3961420404"/>
+      </p:ext>
+    </p:extLst>
+  </p:cSld>
+  <p:clrMapOvr>
+    <a:masterClrMapping/>
+  </p:clrMapOvr>
+</p:sld>
+</file>
+
+<file path=ppt/slides/slide12.xml><?xml version="1.0" encoding="utf-8"?>
+<p:sld xmlns:a="http://schemas.openxmlformats.org/drawingml/2006/main" xmlns:r="http://schemas.openxmlformats.org/officeDocument/2006/relationships" xmlns:p="http://schemas.openxmlformats.org/presentationml/2006/main">
+  <p:cSld>
+    <p:spTree>
+      <p:nvGrpSpPr>
+        <p:cNvPr id="1" name=""/>
+        <p:cNvGrpSpPr/>
+        <p:nvPr/>
+      </p:nvGrpSpPr>
+      <p:grpSpPr>
+        <a:xfrm>
+          <a:off x="0" y="0"/>
+          <a:ext cx="0" cy="0"/>
+          <a:chOff x="0" y="0"/>
+          <a:chExt cx="0" cy="0"/>
+        </a:xfrm>
+      </p:grpSpPr>
+      <p:sp>
+        <p:nvSpPr>
+          <p:cNvPr id="2" name="Title 1">
+            <a:extLst>
+              <a:ext uri="{FF2B5EF4-FFF2-40B4-BE49-F238E27FC236}">
+                <a16:creationId xmlns:a16="http://schemas.microsoft.com/office/drawing/2014/main" id="{0829D216-FDED-4554-B062-92019D57545A}"/>
+              </a:ext>
+            </a:extLst>
+          </p:cNvPr>
+          <p:cNvSpPr>
+            <a:spLocks noGrp="1"/>
+          </p:cNvSpPr>
+          <p:nvPr>
+            <p:ph type="title"/>
+          </p:nvPr>
+        </p:nvSpPr>
+        <p:spPr/>
+        <p:txBody>
+          <a:bodyPr/>
+          <a:lstStyle/>
+          <a:p>
+            <a:r>
+              <a:rPr lang="da-DK" dirty="0"/>
+              <a:t>Some good advise</a:t>
+            </a:r>
+            <a:endParaRPr lang="en-US" dirty="0"/>
+          </a:p>
+        </p:txBody>
+      </p:sp>
+      <p:sp>
+        <p:nvSpPr>
+          <p:cNvPr id="3" name="Content Placeholder 2">
+            <a:extLst>
+              <a:ext uri="{FF2B5EF4-FFF2-40B4-BE49-F238E27FC236}">
+                <a16:creationId xmlns:a16="http://schemas.microsoft.com/office/drawing/2014/main" id="{2C244984-F1F3-4FE7-B19B-0E68E325E506}"/>
+              </a:ext>
+            </a:extLst>
+          </p:cNvPr>
+          <p:cNvSpPr>
+            <a:spLocks noGrp="1"/>
+          </p:cNvSpPr>
+          <p:nvPr>
+            <p:ph idx="1"/>
+          </p:nvPr>
+        </p:nvSpPr>
+        <p:spPr/>
+        <p:txBody>
+          <a:bodyPr/>
+          <a:lstStyle/>
+          <a:p>
+            <a:pPr marL="514350" indent="-514350">
+              <a:buFont typeface="+mj-lt"/>
+              <a:buAutoNum type="arabicPeriod"/>
+            </a:pPr>
+            <a:r>
+              <a:rPr lang="da-DK" dirty="0"/>
+              <a:t>Document everything</a:t>
+            </a:r>
+          </a:p>
+          <a:p>
+            <a:pPr lvl="1"/>
+            <a:r>
+              <a:rPr lang="da-DK" dirty="0"/>
+              <a:t>Take screenshots of your work</a:t>
+            </a:r>
+          </a:p>
+          <a:p>
+            <a:pPr marL="514350" indent="-514350">
+              <a:buFont typeface="+mj-lt"/>
+              <a:buAutoNum type="arabicPeriod"/>
+            </a:pPr>
+            <a:endParaRPr lang="da-DK" dirty="0"/>
+          </a:p>
+          <a:p>
+            <a:pPr marL="514350" indent="-514350">
+              <a:buFont typeface="+mj-lt"/>
+              <a:buAutoNum type="arabicPeriod"/>
+            </a:pPr>
+            <a:r>
+              <a:rPr lang="da-DK" dirty="0"/>
+              <a:t>Parallize work</a:t>
+            </a:r>
+          </a:p>
+          <a:p>
+            <a:pPr lvl="1"/>
+            <a:r>
+              <a:rPr lang="da-DK" dirty="0"/>
+              <a:t>Many of the checkpoints are independent of each other</a:t>
+            </a:r>
+          </a:p>
+          <a:p>
+            <a:pPr marL="457200" lvl="1" indent="0">
+              <a:buNone/>
+            </a:pPr>
+            <a:endParaRPr lang="da-DK" dirty="0"/>
+          </a:p>
+        </p:txBody>
+      </p:sp>
+      <p:sp>
+        <p:nvSpPr>
+          <p:cNvPr id="4" name="Date Placeholder 3">
+            <a:extLst>
+              <a:ext uri="{FF2B5EF4-FFF2-40B4-BE49-F238E27FC236}">
+                <a16:creationId xmlns:a16="http://schemas.microsoft.com/office/drawing/2014/main" id="{0E250CCD-0B93-4CD2-B481-616E63A64680}"/>
+              </a:ext>
+            </a:extLst>
+          </p:cNvPr>
+          <p:cNvSpPr>
+            <a:spLocks noGrp="1"/>
+          </p:cNvSpPr>
+          <p:nvPr>
+            <p:ph type="dt" sz="half" idx="10"/>
+          </p:nvPr>
+        </p:nvSpPr>
+        <p:spPr/>
+        <p:txBody>
+          <a:bodyPr/>
+          <a:lstStyle/>
+          <a:p>
+            <a:fld id="{019E29B9-5584-4737-9C98-1B926378C778}" type="datetime1">
+              <a:rPr lang="en-US" smtClean="0"/>
+              <a:t>6/10/2021</a:t>
+            </a:fld>
+            <a:endParaRPr lang="da-DK"/>
+          </a:p>
+        </p:txBody>
+      </p:sp>
+      <p:sp>
+        <p:nvSpPr>
+          <p:cNvPr id="5" name="Footer Placeholder 4">
+            <a:extLst>
+              <a:ext uri="{FF2B5EF4-FFF2-40B4-BE49-F238E27FC236}">
+                <a16:creationId xmlns:a16="http://schemas.microsoft.com/office/drawing/2014/main" id="{461D8443-4C18-4F9E-A25B-3AEFA22C4659}"/>
+              </a:ext>
+            </a:extLst>
+          </p:cNvPr>
+          <p:cNvSpPr>
+            <a:spLocks noGrp="1"/>
+          </p:cNvSpPr>
+          <p:nvPr>
+            <p:ph type="ftr" sz="quarter" idx="11"/>
+          </p:nvPr>
+        </p:nvSpPr>
+        <p:spPr/>
+        <p:txBody>
+          <a:bodyPr/>
+          <a:lstStyle/>
+          <a:p>
+            <a:r>
+              <a:rPr lang="da-DK"/>
+              <a:t>Nicki Skafte Detlefsen</a:t>
+            </a:r>
+          </a:p>
+        </p:txBody>
+      </p:sp>
+      <p:sp>
+        <p:nvSpPr>
+          <p:cNvPr id="6" name="Slide Number Placeholder 5">
+            <a:extLst>
+              <a:ext uri="{FF2B5EF4-FFF2-40B4-BE49-F238E27FC236}">
+                <a16:creationId xmlns:a16="http://schemas.microsoft.com/office/drawing/2014/main" id="{960D0564-891D-4365-8916-95550D1E5455}"/>
+              </a:ext>
+            </a:extLst>
+          </p:cNvPr>
+          <p:cNvSpPr>
+            <a:spLocks noGrp="1"/>
+          </p:cNvSpPr>
+          <p:nvPr>
+            <p:ph type="sldNum" sz="quarter" idx="12"/>
+          </p:nvPr>
+        </p:nvSpPr>
+        <p:spPr/>
+        <p:txBody>
+          <a:bodyPr/>
+          <a:lstStyle/>
+          <a:p>
+            <a:fld id="{F6FEDE24-D50C-481B-A7B4-8AF13899101A}" type="slidenum">
+              <a:rPr lang="da-DK" smtClean="0"/>
+              <a:t>12</a:t>
+            </a:fld>
+            <a:endParaRPr lang="da-DK"/>
+          </a:p>
+        </p:txBody>
+      </p:sp>
+    </p:spTree>
+    <p:extLst>
+      <p:ext uri="{BB962C8B-B14F-4D97-AF65-F5344CB8AC3E}">
+        <p14:creationId xmlns:p14="http://schemas.microsoft.com/office/powerpoint/2010/main" val="4258491616"/>
+      </p:ext>
+    </p:extLst>
+  </p:cSld>
+  <p:clrMapOvr>
+    <a:masterClrMapping/>
+  </p:clrMapOvr>
+</p:sld>
+</file>
+
 <file path=ppt/slides/slide2.xml><?xml version="1.0" encoding="utf-8"?>
 <p:sld xmlns:a="http://schemas.openxmlformats.org/drawingml/2006/main" xmlns:r="http://schemas.openxmlformats.org/officeDocument/2006/relationships" xmlns:p="http://schemas.openxmlformats.org/presentationml/2006/main">
   <p:cSld>
@@ -4237,7 +4901,7 @@
           <a:p>
             <a:fld id="{019E29B9-5584-4737-9C98-1B926378C778}" type="datetime1">
               <a:rPr lang="en-US" smtClean="0"/>
-              <a:t>6/3/2021</a:t>
+              <a:t>6/10/2021</a:t>
             </a:fld>
             <a:endParaRPr lang="da-DK"/>
           </a:p>
@@ -4963,7 +5627,7 @@
           <a:p>
             <a:fld id="{019E29B9-5584-4737-9C98-1B926378C778}" type="datetime1">
               <a:rPr lang="en-US" smtClean="0"/>
-              <a:t>6/3/2021</a:t>
+              <a:t>6/10/2021</a:t>
             </a:fld>
             <a:endParaRPr lang="da-DK"/>
           </a:p>
@@ -5097,234 +5761,6 @@
           <p:cNvPr id="2" name="Title 1">
             <a:extLst>
               <a:ext uri="{FF2B5EF4-FFF2-40B4-BE49-F238E27FC236}">
-                <a16:creationId xmlns:a16="http://schemas.microsoft.com/office/drawing/2014/main" id="{E4B45F60-4F2C-4846-8B65-66A7B67DFCFF}"/>
-              </a:ext>
-            </a:extLst>
-          </p:cNvPr>
-          <p:cNvSpPr>
-            <a:spLocks noGrp="1"/>
-          </p:cNvSpPr>
-          <p:nvPr>
-            <p:ph type="title"/>
-          </p:nvPr>
-        </p:nvSpPr>
-        <p:spPr/>
-        <p:txBody>
-          <a:bodyPr/>
-          <a:lstStyle/>
-          <a:p>
-            <a:r>
-              <a:rPr lang="da-DK" dirty="0"/>
-              <a:t>Project work</a:t>
-            </a:r>
-          </a:p>
-        </p:txBody>
-      </p:sp>
-      <p:sp>
-        <p:nvSpPr>
-          <p:cNvPr id="3" name="Content Placeholder 2">
-            <a:extLst>
-              <a:ext uri="{FF2B5EF4-FFF2-40B4-BE49-F238E27FC236}">
-                <a16:creationId xmlns:a16="http://schemas.microsoft.com/office/drawing/2014/main" id="{CA889695-F475-4CC1-9075-E1F8C9E00810}"/>
-              </a:ext>
-            </a:extLst>
-          </p:cNvPr>
-          <p:cNvSpPr>
-            <a:spLocks noGrp="1"/>
-          </p:cNvSpPr>
-          <p:nvPr>
-            <p:ph idx="1"/>
-          </p:nvPr>
-        </p:nvSpPr>
-        <p:spPr/>
-        <p:txBody>
-          <a:bodyPr/>
-          <a:lstStyle/>
-          <a:p>
-            <a:r>
-              <a:rPr lang="en-US" dirty="0" err="1"/>
-              <a:t>Organise</a:t>
-            </a:r>
-            <a:r>
-              <a:rPr lang="en-US" dirty="0"/>
-              <a:t>, plan and execute an </a:t>
-            </a:r>
-            <a:r>
-              <a:rPr lang="en-US" dirty="0" err="1"/>
-              <a:t>MLOps</a:t>
-            </a:r>
-            <a:r>
-              <a:rPr lang="en-US" dirty="0"/>
-              <a:t> project</a:t>
-            </a:r>
-          </a:p>
-          <a:p>
-            <a:r>
-              <a:rPr lang="en-US" dirty="0"/>
-              <a:t>What you will be evaluated on</a:t>
-            </a:r>
-          </a:p>
-          <a:p>
-            <a:r>
-              <a:rPr lang="en-US" dirty="0"/>
-              <a:t>Done in groups</a:t>
-            </a:r>
-          </a:p>
-          <a:p>
-            <a:r>
-              <a:rPr lang="en-US" dirty="0"/>
-              <a:t>You will be asked to implement what is showcased in the exercises in your project work</a:t>
-            </a:r>
-          </a:p>
-          <a:p>
-            <a:r>
-              <a:rPr lang="en-US" dirty="0"/>
-              <a:t>Each Thursday afternoon you will be asked to upload you current progress to </a:t>
-            </a:r>
-            <a:r>
-              <a:rPr lang="en-US" dirty="0" err="1"/>
-              <a:t>github</a:t>
-            </a:r>
-            <a:endParaRPr lang="en-US" dirty="0"/>
-          </a:p>
-          <a:p>
-            <a:r>
-              <a:rPr lang="en-US" dirty="0"/>
-              <a:t>Monday after will be given small feedback</a:t>
-            </a:r>
-          </a:p>
-          <a:p>
-            <a:r>
-              <a:rPr lang="en-US" dirty="0"/>
-              <a:t>Final day of the course you will be presenting your project work</a:t>
-            </a:r>
-          </a:p>
-          <a:p>
-            <a:endParaRPr lang="en-US" dirty="0"/>
-          </a:p>
-        </p:txBody>
-      </p:sp>
-      <p:sp>
-        <p:nvSpPr>
-          <p:cNvPr id="4" name="Date Placeholder 3">
-            <a:extLst>
-              <a:ext uri="{FF2B5EF4-FFF2-40B4-BE49-F238E27FC236}">
-                <a16:creationId xmlns:a16="http://schemas.microsoft.com/office/drawing/2014/main" id="{CF14844E-126B-4856-90AC-AEA9943632C7}"/>
-              </a:ext>
-            </a:extLst>
-          </p:cNvPr>
-          <p:cNvSpPr>
-            <a:spLocks noGrp="1"/>
-          </p:cNvSpPr>
-          <p:nvPr>
-            <p:ph type="dt" sz="half" idx="10"/>
-          </p:nvPr>
-        </p:nvSpPr>
-        <p:spPr/>
-        <p:txBody>
-          <a:bodyPr/>
-          <a:lstStyle/>
-          <a:p>
-            <a:fld id="{019E29B9-5584-4737-9C98-1B926378C778}" type="datetime1">
-              <a:rPr lang="en-US" smtClean="0"/>
-              <a:t>6/3/2021</a:t>
-            </a:fld>
-            <a:endParaRPr lang="da-DK"/>
-          </a:p>
-        </p:txBody>
-      </p:sp>
-      <p:sp>
-        <p:nvSpPr>
-          <p:cNvPr id="5" name="Footer Placeholder 4">
-            <a:extLst>
-              <a:ext uri="{FF2B5EF4-FFF2-40B4-BE49-F238E27FC236}">
-                <a16:creationId xmlns:a16="http://schemas.microsoft.com/office/drawing/2014/main" id="{FFF333C2-A406-40B0-8193-3D33C57BD190}"/>
-              </a:ext>
-            </a:extLst>
-          </p:cNvPr>
-          <p:cNvSpPr>
-            <a:spLocks noGrp="1"/>
-          </p:cNvSpPr>
-          <p:nvPr>
-            <p:ph type="ftr" sz="quarter" idx="11"/>
-          </p:nvPr>
-        </p:nvSpPr>
-        <p:spPr/>
-        <p:txBody>
-          <a:bodyPr/>
-          <a:lstStyle/>
-          <a:p>
-            <a:r>
-              <a:rPr lang="da-DK"/>
-              <a:t>Nicki Skafte Detlefsen</a:t>
-            </a:r>
-          </a:p>
-        </p:txBody>
-      </p:sp>
-      <p:sp>
-        <p:nvSpPr>
-          <p:cNvPr id="6" name="Slide Number Placeholder 5">
-            <a:extLst>
-              <a:ext uri="{FF2B5EF4-FFF2-40B4-BE49-F238E27FC236}">
-                <a16:creationId xmlns:a16="http://schemas.microsoft.com/office/drawing/2014/main" id="{B410C831-4DE3-4E47-B7EA-C83D684EF8EA}"/>
-              </a:ext>
-            </a:extLst>
-          </p:cNvPr>
-          <p:cNvSpPr>
-            <a:spLocks noGrp="1"/>
-          </p:cNvSpPr>
-          <p:nvPr>
-            <p:ph type="sldNum" sz="quarter" idx="12"/>
-          </p:nvPr>
-        </p:nvSpPr>
-        <p:spPr/>
-        <p:txBody>
-          <a:bodyPr/>
-          <a:lstStyle/>
-          <a:p>
-            <a:fld id="{F6FEDE24-D50C-481B-A7B4-8AF13899101A}" type="slidenum">
-              <a:rPr lang="da-DK" smtClean="0"/>
-              <a:t>4</a:t>
-            </a:fld>
-            <a:endParaRPr lang="da-DK"/>
-          </a:p>
-        </p:txBody>
-      </p:sp>
-    </p:spTree>
-    <p:extLst>
-      <p:ext uri="{BB962C8B-B14F-4D97-AF65-F5344CB8AC3E}">
-        <p14:creationId xmlns:p14="http://schemas.microsoft.com/office/powerpoint/2010/main" val="1037249953"/>
-      </p:ext>
-    </p:extLst>
-  </p:cSld>
-  <p:clrMapOvr>
-    <a:masterClrMapping/>
-  </p:clrMapOvr>
-</p:sld>
-</file>
-
-<file path=ppt/slides/slide5.xml><?xml version="1.0" encoding="utf-8"?>
-<p:sld xmlns:a="http://schemas.openxmlformats.org/drawingml/2006/main" xmlns:r="http://schemas.openxmlformats.org/officeDocument/2006/relationships" xmlns:p="http://schemas.openxmlformats.org/presentationml/2006/main">
-  <p:cSld>
-    <p:spTree>
-      <p:nvGrpSpPr>
-        <p:cNvPr id="1" name=""/>
-        <p:cNvGrpSpPr/>
-        <p:nvPr/>
-      </p:nvGrpSpPr>
-      <p:grpSpPr>
-        <a:xfrm>
-          <a:off x="0" y="0"/>
-          <a:ext cx="0" cy="0"/>
-          <a:chOff x="0" y="0"/>
-          <a:chExt cx="0" cy="0"/>
-        </a:xfrm>
-      </p:grpSpPr>
-      <p:sp>
-        <p:nvSpPr>
-          <p:cNvPr id="2" name="Title 1">
-            <a:extLst>
-              <a:ext uri="{FF2B5EF4-FFF2-40B4-BE49-F238E27FC236}">
                 <a16:creationId xmlns:a16="http://schemas.microsoft.com/office/drawing/2014/main" id="{E15052C6-F189-4C3E-AE03-E0B8C409CB69}"/>
               </a:ext>
             </a:extLst>
@@ -5378,12 +5814,8 @@
               <a:buNone/>
             </a:pPr>
             <a:r>
-              <a:rPr lang="en-US" dirty="0" err="1"/>
-              <a:t>Fremework</a:t>
-            </a:r>
-            <a:r>
               <a:rPr lang="en-US" dirty="0"/>
-              <a:t>: Transformers (</a:t>
+              <a:t>Framework: Transformers (</a:t>
             </a:r>
             <a:r>
               <a:rPr lang="en-US" dirty="0" err="1"/>
@@ -5455,7 +5887,7 @@
           <a:p>
             <a:fld id="{019E29B9-5584-4737-9C98-1B926378C778}" type="datetime1">
               <a:rPr lang="en-US" smtClean="0"/>
-              <a:t>6/3/2021</a:t>
+              <a:t>6/10/2021</a:t>
             </a:fld>
             <a:endParaRPr lang="da-DK"/>
           </a:p>
@@ -5512,7 +5944,7 @@
           <a:p>
             <a:fld id="{F6FEDE24-D50C-481B-A7B4-8AF13899101A}" type="slidenum">
               <a:rPr lang="da-DK" smtClean="0"/>
-              <a:t>5</a:t>
+              <a:t>4</a:t>
             </a:fld>
             <a:endParaRPr lang="da-DK"/>
           </a:p>
@@ -5561,7 +5993,7 @@
 </p:sld>
 </file>
 
-<file path=ppt/slides/slide6.xml><?xml version="1.0" encoding="utf-8"?>
+<file path=ppt/slides/slide5.xml><?xml version="1.0" encoding="utf-8"?>
 <p:sld xmlns:a="http://schemas.openxmlformats.org/drawingml/2006/main" xmlns:r="http://schemas.openxmlformats.org/officeDocument/2006/relationships" xmlns:p="http://schemas.openxmlformats.org/presentationml/2006/main">
   <p:cSld>
     <p:spTree>
@@ -5669,13 +6101,8 @@
           <a:p>
             <a:r>
               <a:rPr lang="en-US" dirty="0"/>
-              <a:t>Differentiable computer vision </a:t>
-            </a:r>
-            <a:r>
-              <a:rPr lang="en-US" dirty="0" err="1"/>
-              <a:t>algoritms</a:t>
-            </a:r>
-            <a:endParaRPr lang="en-US" dirty="0"/>
+              <a:t>Differentiable computer vision algorithms</a:t>
+            </a:r>
           </a:p>
           <a:p>
             <a:pPr marL="0" indent="0">
@@ -5708,7 +6135,7 @@
           <a:p>
             <a:fld id="{019E29B9-5584-4737-9C98-1B926378C778}" type="datetime1">
               <a:rPr lang="en-US" smtClean="0"/>
-              <a:t>6/3/2021</a:t>
+              <a:t>6/10/2021</a:t>
             </a:fld>
             <a:endParaRPr lang="da-DK"/>
           </a:p>
@@ -5765,7 +6192,7 @@
           <a:p>
             <a:fld id="{F6FEDE24-D50C-481B-A7B4-8AF13899101A}" type="slidenum">
               <a:rPr lang="da-DK" smtClean="0"/>
-              <a:t>6</a:t>
+              <a:t>5</a:t>
             </a:fld>
             <a:endParaRPr lang="da-DK"/>
           </a:p>
@@ -5814,7 +6241,7 @@
 </p:sld>
 </file>
 
-<file path=ppt/slides/slide7.xml><?xml version="1.0" encoding="utf-8"?>
+<file path=ppt/slides/slide6.xml><?xml version="1.0" encoding="utf-8"?>
 <p:sld xmlns:a="http://schemas.openxmlformats.org/drawingml/2006/main" xmlns:r="http://schemas.openxmlformats.org/officeDocument/2006/relationships" xmlns:p="http://schemas.openxmlformats.org/presentationml/2006/main">
   <p:cSld>
     <p:spTree>
@@ -5917,13 +6344,8 @@
           <a:p>
             <a:r>
               <a:rPr lang="en-US" dirty="0"/>
-              <a:t>Neural networks on graphs and </a:t>
-            </a:r>
-            <a:r>
-              <a:rPr lang="en-US" dirty="0" err="1"/>
-              <a:t>pointclouds</a:t>
-            </a:r>
-            <a:endParaRPr lang="en-US" dirty="0"/>
+              <a:t>Neural networks on graphs and point clouds</a:t>
+            </a:r>
           </a:p>
         </p:txBody>
       </p:sp>
@@ -5950,7 +6372,7 @@
           <a:p>
             <a:fld id="{019E29B9-5584-4737-9C98-1B926378C778}" type="datetime1">
               <a:rPr lang="en-US" smtClean="0"/>
-              <a:t>6/3/2021</a:t>
+              <a:t>6/10/2021</a:t>
             </a:fld>
             <a:endParaRPr lang="da-DK"/>
           </a:p>
@@ -6007,7 +6429,7 @@
           <a:p>
             <a:fld id="{F6FEDE24-D50C-481B-A7B4-8AF13899101A}" type="slidenum">
               <a:rPr lang="da-DK" smtClean="0"/>
-              <a:t>7</a:t>
+              <a:t>6</a:t>
             </a:fld>
             <a:endParaRPr lang="da-DK"/>
           </a:p>
@@ -6056,7 +6478,7 @@
 </p:sld>
 </file>
 
-<file path=ppt/slides/slide8.xml><?xml version="1.0" encoding="utf-8"?>
+<file path=ppt/slides/slide7.xml><?xml version="1.0" encoding="utf-8"?>
 <p:sld xmlns:a="http://schemas.openxmlformats.org/drawingml/2006/main" xmlns:r="http://schemas.openxmlformats.org/officeDocument/2006/relationships" xmlns:p="http://schemas.openxmlformats.org/presentationml/2006/main">
   <p:cSld>
     <p:spTree>
@@ -6124,7 +6546,7 @@
           <a:p>
             <a:fld id="{019E29B9-5584-4737-9C98-1B926378C778}" type="datetime1">
               <a:rPr lang="en-US" smtClean="0"/>
-              <a:t>6/3/2021</a:t>
+              <a:t>6/10/2021</a:t>
             </a:fld>
             <a:endParaRPr lang="da-DK"/>
           </a:p>
@@ -6181,7 +6603,7 @@
           <a:p>
             <a:fld id="{F6FEDE24-D50C-481B-A7B4-8AF13899101A}" type="slidenum">
               <a:rPr lang="da-DK" smtClean="0"/>
-              <a:t>8</a:t>
+              <a:t>7</a:t>
             </a:fld>
             <a:endParaRPr lang="da-DK"/>
           </a:p>
@@ -6282,6 +6704,254 @@
 </p:sld>
 </file>
 
+<file path=ppt/slides/slide8.xml><?xml version="1.0" encoding="utf-8"?>
+<p:sld xmlns:a="http://schemas.openxmlformats.org/drawingml/2006/main" xmlns:r="http://schemas.openxmlformats.org/officeDocument/2006/relationships" xmlns:p="http://schemas.openxmlformats.org/presentationml/2006/main">
+  <p:cSld>
+    <p:spTree>
+      <p:nvGrpSpPr>
+        <p:cNvPr id="1" name=""/>
+        <p:cNvGrpSpPr/>
+        <p:nvPr/>
+      </p:nvGrpSpPr>
+      <p:grpSpPr>
+        <a:xfrm>
+          <a:off x="0" y="0"/>
+          <a:ext cx="0" cy="0"/>
+          <a:chOff x="0" y="0"/>
+          <a:chExt cx="0" cy="0"/>
+        </a:xfrm>
+      </p:grpSpPr>
+      <p:sp>
+        <p:nvSpPr>
+          <p:cNvPr id="2" name="Title 1">
+            <a:extLst>
+              <a:ext uri="{FF2B5EF4-FFF2-40B4-BE49-F238E27FC236}">
+                <a16:creationId xmlns:a16="http://schemas.microsoft.com/office/drawing/2014/main" id="{E6691699-BE9E-42FE-80F9-45EA5C46F804}"/>
+              </a:ext>
+            </a:extLst>
+          </p:cNvPr>
+          <p:cNvSpPr>
+            <a:spLocks noGrp="1"/>
+          </p:cNvSpPr>
+          <p:nvPr>
+            <p:ph type="title"/>
+          </p:nvPr>
+        </p:nvSpPr>
+        <p:spPr/>
+        <p:txBody>
+          <a:bodyPr/>
+          <a:lstStyle/>
+          <a:p>
+            <a:r>
+              <a:rPr lang="da-DK" dirty="0"/>
+              <a:t>Summary</a:t>
+            </a:r>
+          </a:p>
+        </p:txBody>
+      </p:sp>
+      <p:sp>
+        <p:nvSpPr>
+          <p:cNvPr id="3" name="Content Placeholder 2">
+            <a:extLst>
+              <a:ext uri="{FF2B5EF4-FFF2-40B4-BE49-F238E27FC236}">
+                <a16:creationId xmlns:a16="http://schemas.microsoft.com/office/drawing/2014/main" id="{44F8EFC5-6B08-4F6F-9980-DDFFB215617F}"/>
+              </a:ext>
+            </a:extLst>
+          </p:cNvPr>
+          <p:cNvSpPr>
+            <a:spLocks noGrp="1"/>
+          </p:cNvSpPr>
+          <p:nvPr>
+            <p:ph idx="1"/>
+          </p:nvPr>
+        </p:nvSpPr>
+        <p:spPr/>
+        <p:txBody>
+          <a:bodyPr>
+            <a:normAutofit lnSpcReduction="10000"/>
+          </a:bodyPr>
+          <a:lstStyle/>
+          <a:p>
+            <a:r>
+              <a:rPr lang="en-US" dirty="0"/>
+              <a:t>Pick a framework (try running their notebooks/examples!):</a:t>
+            </a:r>
+          </a:p>
+          <a:p>
+            <a:pPr lvl="1"/>
+            <a:r>
+              <a:rPr lang="en-US" dirty="0"/>
+              <a:t>Project 1: NLP</a:t>
+            </a:r>
+          </a:p>
+          <a:p>
+            <a:pPr lvl="1"/>
+            <a:r>
+              <a:rPr lang="en-US" dirty="0"/>
+              <a:t>Project 2: CV</a:t>
+            </a:r>
+          </a:p>
+          <a:p>
+            <a:pPr lvl="1"/>
+            <a:r>
+              <a:rPr lang="en-US" dirty="0"/>
+              <a:t>Project 3: Graphs and points</a:t>
+            </a:r>
+          </a:p>
+          <a:p>
+            <a:pPr lvl="1"/>
+            <a:endParaRPr lang="en-US" dirty="0"/>
+          </a:p>
+          <a:p>
+            <a:r>
+              <a:rPr lang="en-US" dirty="0"/>
+              <a:t>Brainstorm a project. It does not have to be particular big as you only have 4 full days for working on it</a:t>
+            </a:r>
+          </a:p>
+          <a:p>
+            <a:endParaRPr lang="en-US" dirty="0"/>
+          </a:p>
+          <a:p>
+            <a:r>
+              <a:rPr lang="en-US" dirty="0"/>
+              <a:t>Write a small (max 1 page) project description including:</a:t>
+            </a:r>
+          </a:p>
+          <a:p>
+            <a:pPr lvl="1"/>
+            <a:r>
+              <a:rPr lang="en-US" dirty="0"/>
+              <a:t>What model do intent to implement</a:t>
+            </a:r>
+          </a:p>
+          <a:p>
+            <a:pPr lvl="1"/>
+            <a:r>
+              <a:rPr lang="en-US" dirty="0"/>
+              <a:t>What data are you going to use</a:t>
+            </a:r>
+          </a:p>
+          <a:p>
+            <a:pPr lvl="1"/>
+            <a:r>
+              <a:rPr lang="en-US" dirty="0"/>
+              <a:t>How you think the chosen framework can be incorporated</a:t>
+            </a:r>
+          </a:p>
+          <a:p>
+            <a:pPr lvl="1"/>
+            <a:endParaRPr lang="en-US" dirty="0"/>
+          </a:p>
+          <a:p>
+            <a:endParaRPr lang="en-US" dirty="0"/>
+          </a:p>
+          <a:p>
+            <a:endParaRPr lang="en-US" dirty="0"/>
+          </a:p>
+          <a:p>
+            <a:endParaRPr lang="en-US" dirty="0"/>
+          </a:p>
+        </p:txBody>
+      </p:sp>
+      <p:sp>
+        <p:nvSpPr>
+          <p:cNvPr id="4" name="Date Placeholder 3">
+            <a:extLst>
+              <a:ext uri="{FF2B5EF4-FFF2-40B4-BE49-F238E27FC236}">
+                <a16:creationId xmlns:a16="http://schemas.microsoft.com/office/drawing/2014/main" id="{E938B605-623F-4071-9343-7614EB011B21}"/>
+              </a:ext>
+            </a:extLst>
+          </p:cNvPr>
+          <p:cNvSpPr>
+            <a:spLocks noGrp="1"/>
+          </p:cNvSpPr>
+          <p:nvPr>
+            <p:ph type="dt" sz="half" idx="10"/>
+          </p:nvPr>
+        </p:nvSpPr>
+        <p:spPr/>
+        <p:txBody>
+          <a:bodyPr/>
+          <a:lstStyle/>
+          <a:p>
+            <a:fld id="{019E29B9-5584-4737-9C98-1B926378C778}" type="datetime1">
+              <a:rPr lang="en-US" smtClean="0"/>
+              <a:t>6/10/2021</a:t>
+            </a:fld>
+            <a:endParaRPr lang="da-DK"/>
+          </a:p>
+        </p:txBody>
+      </p:sp>
+      <p:sp>
+        <p:nvSpPr>
+          <p:cNvPr id="5" name="Footer Placeholder 4">
+            <a:extLst>
+              <a:ext uri="{FF2B5EF4-FFF2-40B4-BE49-F238E27FC236}">
+                <a16:creationId xmlns:a16="http://schemas.microsoft.com/office/drawing/2014/main" id="{8118F98A-C265-4194-AF7D-8AC2CCBCC533}"/>
+              </a:ext>
+            </a:extLst>
+          </p:cNvPr>
+          <p:cNvSpPr>
+            <a:spLocks noGrp="1"/>
+          </p:cNvSpPr>
+          <p:nvPr>
+            <p:ph type="ftr" sz="quarter" idx="11"/>
+          </p:nvPr>
+        </p:nvSpPr>
+        <p:spPr/>
+        <p:txBody>
+          <a:bodyPr/>
+          <a:lstStyle/>
+          <a:p>
+            <a:r>
+              <a:rPr lang="da-DK"/>
+              <a:t>Nicki Skafte Detlefsen</a:t>
+            </a:r>
+          </a:p>
+        </p:txBody>
+      </p:sp>
+      <p:sp>
+        <p:nvSpPr>
+          <p:cNvPr id="6" name="Slide Number Placeholder 5">
+            <a:extLst>
+              <a:ext uri="{FF2B5EF4-FFF2-40B4-BE49-F238E27FC236}">
+                <a16:creationId xmlns:a16="http://schemas.microsoft.com/office/drawing/2014/main" id="{DB08F69D-C565-4D09-81F4-CA1B8D0574E4}"/>
+              </a:ext>
+            </a:extLst>
+          </p:cNvPr>
+          <p:cNvSpPr>
+            <a:spLocks noGrp="1"/>
+          </p:cNvSpPr>
+          <p:nvPr>
+            <p:ph type="sldNum" sz="quarter" idx="12"/>
+          </p:nvPr>
+        </p:nvSpPr>
+        <p:spPr/>
+        <p:txBody>
+          <a:bodyPr/>
+          <a:lstStyle/>
+          <a:p>
+            <a:fld id="{F6FEDE24-D50C-481B-A7B4-8AF13899101A}" type="slidenum">
+              <a:rPr lang="da-DK" smtClean="0"/>
+              <a:t>8</a:t>
+            </a:fld>
+            <a:endParaRPr lang="da-DK"/>
+          </a:p>
+        </p:txBody>
+      </p:sp>
+    </p:spTree>
+    <p:extLst>
+      <p:ext uri="{BB962C8B-B14F-4D97-AF65-F5344CB8AC3E}">
+        <p14:creationId xmlns:p14="http://schemas.microsoft.com/office/powerpoint/2010/main" val="2909565782"/>
+      </p:ext>
+    </p:extLst>
+  </p:cSld>
+  <p:clrMapOvr>
+    <a:masterClrMapping/>
+  </p:clrMapOvr>
+</p:sld>
+</file>
+
 <file path=ppt/slides/slide9.xml><?xml version="1.0" encoding="utf-8"?>
 <p:sld xmlns:a="http://schemas.openxmlformats.org/drawingml/2006/main" xmlns:r="http://schemas.openxmlformats.org/officeDocument/2006/relationships" xmlns:p="http://schemas.openxmlformats.org/presentationml/2006/main">
   <p:cSld>
@@ -6304,7 +6974,7 @@
           <p:cNvPr id="2" name="Title 1">
             <a:extLst>
               <a:ext uri="{FF2B5EF4-FFF2-40B4-BE49-F238E27FC236}">
-                <a16:creationId xmlns:a16="http://schemas.microsoft.com/office/drawing/2014/main" id="{E6691699-BE9E-42FE-80F9-45EA5C46F804}"/>
+                <a16:creationId xmlns:a16="http://schemas.microsoft.com/office/drawing/2014/main" id="{EAD7DB5E-054C-43B6-90FE-038F335813E3}"/>
               </a:ext>
             </a:extLst>
           </p:cNvPr>
@@ -6322,8 +6992,9 @@
           <a:p>
             <a:r>
               <a:rPr lang="da-DK" dirty="0"/>
-              <a:t>Summary</a:t>
-            </a:r>
+              <a:t>Checklist (also in todays readme)</a:t>
+            </a:r>
+            <a:endParaRPr lang="en-US" dirty="0"/>
           </a:p>
         </p:txBody>
       </p:sp>
@@ -6332,7 +7003,7 @@
           <p:cNvPr id="3" name="Content Placeholder 2">
             <a:extLst>
               <a:ext uri="{FF2B5EF4-FFF2-40B4-BE49-F238E27FC236}">
-                <a16:creationId xmlns:a16="http://schemas.microsoft.com/office/drawing/2014/main" id="{44F8EFC5-6B08-4F6F-9980-DDFFB215617F}"/>
+                <a16:creationId xmlns:a16="http://schemas.microsoft.com/office/drawing/2014/main" id="{681ADD06-75D9-483D-9A2D-16CA1E5C7BDD}"/>
               </a:ext>
             </a:extLst>
           </p:cNvPr>
@@ -6346,93 +7017,125 @@
         <p:spPr/>
         <p:txBody>
           <a:bodyPr>
-            <a:normAutofit lnSpcReduction="10000"/>
+            <a:normAutofit fontScale="70000" lnSpcReduction="20000"/>
           </a:bodyPr>
           <a:lstStyle/>
           <a:p>
             <a:r>
               <a:rPr lang="en-US" dirty="0"/>
-              <a:t>Pick a framework (try running their notebooks/examples!):</a:t>
-            </a:r>
-          </a:p>
-          <a:p>
-            <a:pPr lvl="1"/>
+              <a:t>Create a git repository</a:t>
+            </a:r>
+          </a:p>
+          <a:p>
             <a:r>
               <a:rPr lang="en-US" dirty="0"/>
-              <a:t>Project 1: NLP</a:t>
-            </a:r>
-          </a:p>
-          <a:p>
-            <a:pPr lvl="1"/>
+              <a:t>Make sure that all team members have write access to the </a:t>
+            </a:r>
+            <a:r>
+              <a:rPr lang="en-US" dirty="0" err="1"/>
+              <a:t>github</a:t>
+            </a:r>
             <a:r>
               <a:rPr lang="en-US" dirty="0"/>
-              <a:t>Project 2: CV</a:t>
-            </a:r>
-          </a:p>
-          <a:p>
-            <a:pPr lvl="1"/>
+              <a:t> repository</a:t>
+            </a:r>
+          </a:p>
+          <a:p>
             <a:r>
               <a:rPr lang="en-US" dirty="0"/>
-              <a:t>Project 3: Graphs and points</a:t>
-            </a:r>
-          </a:p>
-          <a:p>
-            <a:pPr lvl="1"/>
+              <a:t>Create a dedicated environment for you project to keep track of your packages</a:t>
+            </a:r>
+          </a:p>
+          <a:p>
+            <a:r>
+              <a:rPr lang="en-US" dirty="0"/>
+              <a:t>Create the initial file structure using </a:t>
+            </a:r>
+            <a:r>
+              <a:rPr lang="en-US" dirty="0" err="1"/>
+              <a:t>cookiecutter</a:t>
+            </a:r>
             <a:endParaRPr lang="en-US" dirty="0"/>
           </a:p>
           <a:p>
             <a:r>
               <a:rPr lang="en-US" dirty="0"/>
-              <a:t>Brainstorm a project. It does not have to be particular big as you only have 4 full days for working on it</a:t>
-            </a:r>
-          </a:p>
-          <a:p>
-            <a:endParaRPr lang="en-US" dirty="0"/>
+              <a:t>Fill out the `make_dataset.py` file such that it downloads whatever data you need and </a:t>
+            </a:r>
           </a:p>
           <a:p>
             <a:r>
               <a:rPr lang="en-US" dirty="0"/>
-              <a:t>Write a small (max 1 page) project description including:</a:t>
-            </a:r>
-          </a:p>
-          <a:p>
-            <a:pPr lvl="1"/>
+              <a:t>Add a model file and a training script and get that running</a:t>
+            </a:r>
+          </a:p>
+          <a:p>
             <a:r>
               <a:rPr lang="en-US" dirty="0"/>
-              <a:t>What model do intent to implement</a:t>
-            </a:r>
-          </a:p>
-          <a:p>
-            <a:pPr lvl="1"/>
+              <a:t>When you have something that works somewhat, remember at some point to </a:t>
+            </a:r>
+            <a:r>
+              <a:rPr lang="en-US" dirty="0" err="1"/>
+              <a:t>to</a:t>
+            </a:r>
             <a:r>
               <a:rPr lang="en-US" dirty="0"/>
-              <a:t>What data are you going to use</a:t>
-            </a:r>
-          </a:p>
-          <a:p>
-            <a:pPr lvl="1"/>
+              <a:t> some profiling and see if you can optimize your code</a:t>
+            </a:r>
+          </a:p>
+          <a:p>
             <a:r>
               <a:rPr lang="en-US" dirty="0"/>
-              <a:t>How you think the chosen framework can </a:t>
-            </a:r>
-            <a:r>
-              <a:rPr lang="en-US"/>
-              <a:t>be incorporated</a:t>
-            </a:r>
-            <a:endParaRPr lang="en-US" dirty="0"/>
-          </a:p>
-          <a:p>
-            <a:pPr lvl="1"/>
-            <a:endParaRPr lang="en-US" dirty="0"/>
-          </a:p>
-          <a:p>
-            <a:endParaRPr lang="en-US" dirty="0"/>
-          </a:p>
-          <a:p>
-            <a:endParaRPr lang="en-US" dirty="0"/>
-          </a:p>
-          <a:p>
-            <a:endParaRPr lang="en-US" dirty="0"/>
+              <a:t>Remember to fill out the `requirement.py` file with whatever dependencies that you are using</a:t>
+            </a:r>
+          </a:p>
+          <a:p>
+            <a:r>
+              <a:rPr lang="en-US" dirty="0"/>
+              <a:t>Write unit tests for some part of the codebase and calculate the </a:t>
+            </a:r>
+          </a:p>
+          <a:p>
+            <a:r>
+              <a:rPr lang="en-US" dirty="0"/>
+              <a:t>Get some continues integration running on the </a:t>
+            </a:r>
+            <a:r>
+              <a:rPr lang="en-US" dirty="0" err="1"/>
+              <a:t>github</a:t>
+            </a:r>
+            <a:r>
+              <a:rPr lang="en-US" dirty="0"/>
+              <a:t> repository</a:t>
+            </a:r>
+          </a:p>
+          <a:p>
+            <a:r>
+              <a:rPr lang="en-US" dirty="0"/>
+              <a:t>Use either </a:t>
+            </a:r>
+            <a:r>
+              <a:rPr lang="en-US" dirty="0" err="1"/>
+              <a:t>tensorboard</a:t>
+            </a:r>
+            <a:r>
+              <a:rPr lang="en-US" dirty="0"/>
+              <a:t> or </a:t>
+            </a:r>
+            <a:r>
+              <a:rPr lang="en-US" dirty="0" err="1"/>
+              <a:t>wandb</a:t>
+            </a:r>
+            <a:r>
+              <a:rPr lang="en-US" dirty="0"/>
+              <a:t> to log training progress and other important metrics/artifacts in your code</a:t>
+            </a:r>
+          </a:p>
+          <a:p>
+            <a:r>
+              <a:rPr lang="en-US" dirty="0"/>
+              <a:t>Remember to comply with good coding practices while doing the project</a:t>
+            </a:r>
           </a:p>
         </p:txBody>
       </p:sp>
@@ -6441,7 +7144,7 @@
           <p:cNvPr id="4" name="Date Placeholder 3">
             <a:extLst>
               <a:ext uri="{FF2B5EF4-FFF2-40B4-BE49-F238E27FC236}">
-                <a16:creationId xmlns:a16="http://schemas.microsoft.com/office/drawing/2014/main" id="{E938B605-623F-4071-9343-7614EB011B21}"/>
+                <a16:creationId xmlns:a16="http://schemas.microsoft.com/office/drawing/2014/main" id="{9C44211C-62D1-4647-8E38-D6A02994B982}"/>
               </a:ext>
             </a:extLst>
           </p:cNvPr>
@@ -6459,7 +7162,7 @@
           <a:p>
             <a:fld id="{019E29B9-5584-4737-9C98-1B926378C778}" type="datetime1">
               <a:rPr lang="en-US" smtClean="0"/>
-              <a:t>6/3/2021</a:t>
+              <a:t>6/10/2021</a:t>
             </a:fld>
             <a:endParaRPr lang="da-DK"/>
           </a:p>
@@ -6470,7 +7173,7 @@
           <p:cNvPr id="5" name="Footer Placeholder 4">
             <a:extLst>
               <a:ext uri="{FF2B5EF4-FFF2-40B4-BE49-F238E27FC236}">
-                <a16:creationId xmlns:a16="http://schemas.microsoft.com/office/drawing/2014/main" id="{8118F98A-C265-4194-AF7D-8AC2CCBCC533}"/>
+                <a16:creationId xmlns:a16="http://schemas.microsoft.com/office/drawing/2014/main" id="{FEEAC1D5-C8D4-48BE-BEFD-4CA305217A29}"/>
               </a:ext>
             </a:extLst>
           </p:cNvPr>
@@ -6498,7 +7201,7 @@
           <p:cNvPr id="6" name="Slide Number Placeholder 5">
             <a:extLst>
               <a:ext uri="{FF2B5EF4-FFF2-40B4-BE49-F238E27FC236}">
-                <a16:creationId xmlns:a16="http://schemas.microsoft.com/office/drawing/2014/main" id="{DB08F69D-C565-4D09-81F4-CA1B8D0574E4}"/>
+                <a16:creationId xmlns:a16="http://schemas.microsoft.com/office/drawing/2014/main" id="{A1B7F88F-DA81-4ACC-9EA3-9CF8BBAAEAEE}"/>
               </a:ext>
             </a:extLst>
           </p:cNvPr>
@@ -6525,7 +7228,7 @@
     </p:spTree>
     <p:extLst>
       <p:ext uri="{BB962C8B-B14F-4D97-AF65-F5344CB8AC3E}">
-        <p14:creationId xmlns:p14="http://schemas.microsoft.com/office/powerpoint/2010/main" val="2909565782"/>
+        <p14:creationId xmlns:p14="http://schemas.microsoft.com/office/powerpoint/2010/main" val="819740758"/>
       </p:ext>
     </p:extLst>
   </p:cSld>

--- a/05_project_overview/The_pytorch_ecosystem.pptx
+++ b/05_project_overview/The_pytorch_ecosystem.pptx
@@ -5,10 +5,10 @@
     <p:sldMasterId id="2147483648" r:id="rId1"/>
   </p:sldMasterIdLst>
   <p:notesMasterIdLst>
-    <p:notesMasterId r:id="rId14"/>
+    <p:notesMasterId r:id="rId15"/>
   </p:notesMasterIdLst>
   <p:handoutMasterIdLst>
-    <p:handoutMasterId r:id="rId15"/>
+    <p:handoutMasterId r:id="rId16"/>
   </p:handoutMasterIdLst>
   <p:sldIdLst>
     <p:sldId id="256" r:id="rId2"/>
@@ -23,6 +23,7 @@
     <p:sldId id="265" r:id="rId11"/>
     <p:sldId id="266" r:id="rId12"/>
     <p:sldId id="268" r:id="rId13"/>
+    <p:sldId id="269" r:id="rId14"/>
   </p:sldIdLst>
   <p:sldSz cx="12192000" cy="6858000"/>
   <p:notesSz cx="6858000" cy="9144000"/>
@@ -4623,7 +4624,7 @@
           <a:p>
             <a:r>
               <a:rPr lang="da-DK" dirty="0"/>
-              <a:t>Some good advise</a:t>
+              <a:t>Some good advice</a:t>
             </a:r>
             <a:endParaRPr lang="en-US" dirty="0"/>
           </a:p>
@@ -4788,6 +4789,186 @@
     <p:extLst>
       <p:ext uri="{BB962C8B-B14F-4D97-AF65-F5344CB8AC3E}">
         <p14:creationId xmlns:p14="http://schemas.microsoft.com/office/powerpoint/2010/main" val="4258491616"/>
+      </p:ext>
+    </p:extLst>
+  </p:cSld>
+  <p:clrMapOvr>
+    <a:masterClrMapping/>
+  </p:clrMapOvr>
+</p:sld>
+</file>
+
+<file path=ppt/slides/slide13.xml><?xml version="1.0" encoding="utf-8"?>
+<p:sld xmlns:a="http://schemas.openxmlformats.org/drawingml/2006/main" xmlns:r="http://schemas.openxmlformats.org/officeDocument/2006/relationships" xmlns:p="http://schemas.openxmlformats.org/presentationml/2006/main">
+  <p:cSld>
+    <p:spTree>
+      <p:nvGrpSpPr>
+        <p:cNvPr id="1" name=""/>
+        <p:cNvGrpSpPr/>
+        <p:nvPr/>
+      </p:nvGrpSpPr>
+      <p:grpSpPr>
+        <a:xfrm>
+          <a:off x="0" y="0"/>
+          <a:ext cx="0" cy="0"/>
+          <a:chOff x="0" y="0"/>
+          <a:chExt cx="0" cy="0"/>
+        </a:xfrm>
+      </p:grpSpPr>
+      <p:sp>
+        <p:nvSpPr>
+          <p:cNvPr id="2" name="Title 1">
+            <a:extLst>
+              <a:ext uri="{FF2B5EF4-FFF2-40B4-BE49-F238E27FC236}">
+                <a16:creationId xmlns:a16="http://schemas.microsoft.com/office/drawing/2014/main" id="{DAAF12DC-472B-4471-8984-BD15B2C98ED1}"/>
+              </a:ext>
+            </a:extLst>
+          </p:cNvPr>
+          <p:cNvSpPr>
+            <a:spLocks noGrp="1"/>
+          </p:cNvSpPr>
+          <p:nvPr>
+            <p:ph type="title"/>
+          </p:nvPr>
+        </p:nvSpPr>
+        <p:spPr/>
+        <p:txBody>
+          <a:bodyPr/>
+          <a:lstStyle/>
+          <a:p>
+            <a:r>
+              <a:rPr lang="da-DK" dirty="0"/>
+              <a:t>Meme of the day</a:t>
+            </a:r>
+            <a:endParaRPr lang="en-US" dirty="0"/>
+          </a:p>
+        </p:txBody>
+      </p:sp>
+      <p:pic>
+        <p:nvPicPr>
+          <p:cNvPr id="9" name="Content Placeholder 8" descr="A baby sitting at a table&#10;&#10;Description automatically generated with low confidence">
+            <a:extLst>
+              <a:ext uri="{FF2B5EF4-FFF2-40B4-BE49-F238E27FC236}">
+                <a16:creationId xmlns:a16="http://schemas.microsoft.com/office/drawing/2014/main" id="{865D4471-338F-44E1-89FD-066023FFB6A1}"/>
+              </a:ext>
+            </a:extLst>
+          </p:cNvPr>
+          <p:cNvPicPr>
+            <a:picLocks noGrp="1" noChangeAspect="1"/>
+          </p:cNvPicPr>
+          <p:nvPr>
+            <p:ph idx="1"/>
+          </p:nvPr>
+        </p:nvPicPr>
+        <p:blipFill>
+          <a:blip r:embed="rId2">
+            <a:extLst>
+              <a:ext uri="{28A0092B-C50C-407E-A947-70E740481C1C}">
+                <a14:useLocalDpi xmlns:a14="http://schemas.microsoft.com/office/drawing/2010/main" val="0"/>
+              </a:ext>
+            </a:extLst>
+          </a:blip>
+          <a:stretch>
+            <a:fillRect/>
+          </a:stretch>
+        </p:blipFill>
+        <p:spPr>
+          <a:xfrm>
+            <a:off x="3296599" y="1343025"/>
+            <a:ext cx="5598801" cy="4833938"/>
+          </a:xfrm>
+        </p:spPr>
+      </p:pic>
+      <p:sp>
+        <p:nvSpPr>
+          <p:cNvPr id="4" name="Date Placeholder 3">
+            <a:extLst>
+              <a:ext uri="{FF2B5EF4-FFF2-40B4-BE49-F238E27FC236}">
+                <a16:creationId xmlns:a16="http://schemas.microsoft.com/office/drawing/2014/main" id="{343CA518-F27E-4E5A-8BD8-4C793D8FD997}"/>
+              </a:ext>
+            </a:extLst>
+          </p:cNvPr>
+          <p:cNvSpPr>
+            <a:spLocks noGrp="1"/>
+          </p:cNvSpPr>
+          <p:nvPr>
+            <p:ph type="dt" sz="half" idx="10"/>
+          </p:nvPr>
+        </p:nvSpPr>
+        <p:spPr/>
+        <p:txBody>
+          <a:bodyPr/>
+          <a:lstStyle/>
+          <a:p>
+            <a:fld id="{019E29B9-5584-4737-9C98-1B926378C778}" type="datetime1">
+              <a:rPr lang="en-US" smtClean="0"/>
+              <a:t>6/10/2021</a:t>
+            </a:fld>
+            <a:endParaRPr lang="da-DK"/>
+          </a:p>
+        </p:txBody>
+      </p:sp>
+      <p:sp>
+        <p:nvSpPr>
+          <p:cNvPr id="5" name="Footer Placeholder 4">
+            <a:extLst>
+              <a:ext uri="{FF2B5EF4-FFF2-40B4-BE49-F238E27FC236}">
+                <a16:creationId xmlns:a16="http://schemas.microsoft.com/office/drawing/2014/main" id="{6329C4B0-1F7C-4AE2-BC5C-60771173C31C}"/>
+              </a:ext>
+            </a:extLst>
+          </p:cNvPr>
+          <p:cNvSpPr>
+            <a:spLocks noGrp="1"/>
+          </p:cNvSpPr>
+          <p:nvPr>
+            <p:ph type="ftr" sz="quarter" idx="11"/>
+          </p:nvPr>
+        </p:nvSpPr>
+        <p:spPr/>
+        <p:txBody>
+          <a:bodyPr/>
+          <a:lstStyle/>
+          <a:p>
+            <a:r>
+              <a:rPr lang="da-DK"/>
+              <a:t>Nicki Skafte Detlefsen</a:t>
+            </a:r>
+          </a:p>
+        </p:txBody>
+      </p:sp>
+      <p:sp>
+        <p:nvSpPr>
+          <p:cNvPr id="6" name="Slide Number Placeholder 5">
+            <a:extLst>
+              <a:ext uri="{FF2B5EF4-FFF2-40B4-BE49-F238E27FC236}">
+                <a16:creationId xmlns:a16="http://schemas.microsoft.com/office/drawing/2014/main" id="{417AE9B0-2308-481A-9352-2941F0ACF10E}"/>
+              </a:ext>
+            </a:extLst>
+          </p:cNvPr>
+          <p:cNvSpPr>
+            <a:spLocks noGrp="1"/>
+          </p:cNvSpPr>
+          <p:nvPr>
+            <p:ph type="sldNum" sz="quarter" idx="12"/>
+          </p:nvPr>
+        </p:nvSpPr>
+        <p:spPr/>
+        <p:txBody>
+          <a:bodyPr/>
+          <a:lstStyle/>
+          <a:p>
+            <a:fld id="{F6FEDE24-D50C-481B-A7B4-8AF13899101A}" type="slidenum">
+              <a:rPr lang="da-DK" smtClean="0"/>
+              <a:t>13</a:t>
+            </a:fld>
+            <a:endParaRPr lang="da-DK"/>
+          </a:p>
+        </p:txBody>
+      </p:sp>
+    </p:spTree>
+    <p:extLst>
+      <p:ext uri="{BB962C8B-B14F-4D97-AF65-F5344CB8AC3E}">
+        <p14:creationId xmlns:p14="http://schemas.microsoft.com/office/powerpoint/2010/main" val="3357533717"/>
       </p:ext>
     </p:extLst>
   </p:cSld>
